--- a/Fallstudie final 1.pptx
+++ b/Fallstudie final 1.pptx
@@ -2344,6 +2344,13 @@
         </dgm:presLayoutVars>
       </dgm:prSet>
       <dgm:spPr/>
+      <dgm:t>
+        <a:bodyPr/>
+        <a:lstStyle/>
+        <a:p>
+          <a:endParaRPr lang="de-DE"/>
+        </a:p>
+      </dgm:t>
     </dgm:pt>
     <dgm:pt modelId="{756D01E9-AA50-4890-BDC1-4AD2D3EA27A3}" type="pres">
       <dgm:prSet presAssocID="{CFFEDD38-F688-4952-B836-33FA05DDB5B8}" presName="hierFlow" presStyleCnt="0"/>
@@ -2374,6 +2381,13 @@
         </dgm:presLayoutVars>
       </dgm:prSet>
       <dgm:spPr/>
+      <dgm:t>
+        <a:bodyPr/>
+        <a:lstStyle/>
+        <a:p>
+          <a:endParaRPr lang="de-DE"/>
+        </a:p>
+      </dgm:t>
     </dgm:pt>
     <dgm:pt modelId="{223A03F1-4298-4045-926C-DF0083381CD5}" type="pres">
       <dgm:prSet presAssocID="{08AAB7DC-521E-4BE6-B730-BDD7F5A253B2}" presName="hierChild2" presStyleCnt="0"/>
@@ -2382,10 +2396,24 @@
     <dgm:pt modelId="{1A25E02E-86C4-4E08-B12B-CF6ADC0FEEF6}" type="pres">
       <dgm:prSet presAssocID="{D40641AB-C226-4C29-8D62-6A99CC061BEA}" presName="Name25" presStyleLbl="parChTrans1D2" presStyleIdx="0" presStyleCnt="4"/>
       <dgm:spPr/>
+      <dgm:t>
+        <a:bodyPr/>
+        <a:lstStyle/>
+        <a:p>
+          <a:endParaRPr lang="de-DE"/>
+        </a:p>
+      </dgm:t>
     </dgm:pt>
     <dgm:pt modelId="{5767E419-0F48-472F-892F-98D04D1CB240}" type="pres">
       <dgm:prSet presAssocID="{D40641AB-C226-4C29-8D62-6A99CC061BEA}" presName="connTx" presStyleLbl="parChTrans1D2" presStyleIdx="0" presStyleCnt="4"/>
       <dgm:spPr/>
+      <dgm:t>
+        <a:bodyPr/>
+        <a:lstStyle/>
+        <a:p>
+          <a:endParaRPr lang="de-DE"/>
+        </a:p>
+      </dgm:t>
     </dgm:pt>
     <dgm:pt modelId="{94ED0DC3-05C2-40BE-BA5F-4C659AE97085}" type="pres">
       <dgm:prSet presAssocID="{2DEF6E63-5ED4-41BA-B004-47ED6321E897}" presName="Name30" presStyleCnt="0"/>
@@ -2394,6 +2422,13 @@
     <dgm:pt modelId="{E63AC40E-004A-497A-8CCA-D97E51274A67}" type="pres">
       <dgm:prSet presAssocID="{2DEF6E63-5ED4-41BA-B004-47ED6321E897}" presName="level2Shape" presStyleLbl="node2" presStyleIdx="0" presStyleCnt="4"/>
       <dgm:spPr/>
+      <dgm:t>
+        <a:bodyPr/>
+        <a:lstStyle/>
+        <a:p>
+          <a:endParaRPr lang="de-DE"/>
+        </a:p>
+      </dgm:t>
     </dgm:pt>
     <dgm:pt modelId="{000DF58F-FA21-42B4-A1FE-F51817FBAFB7}" type="pres">
       <dgm:prSet presAssocID="{2DEF6E63-5ED4-41BA-B004-47ED6321E897}" presName="hierChild3" presStyleCnt="0"/>
@@ -2402,10 +2437,24 @@
     <dgm:pt modelId="{FBE489D0-4F42-4E7E-BEEE-8985FCC77F60}" type="pres">
       <dgm:prSet presAssocID="{430BF8A6-B25F-4678-9DD8-EAB890C5C451}" presName="Name25" presStyleLbl="parChTrans1D3" presStyleIdx="0" presStyleCnt="4"/>
       <dgm:spPr/>
+      <dgm:t>
+        <a:bodyPr/>
+        <a:lstStyle/>
+        <a:p>
+          <a:endParaRPr lang="de-DE"/>
+        </a:p>
+      </dgm:t>
     </dgm:pt>
     <dgm:pt modelId="{E7F68C47-CADE-497C-868C-783777FCA2E8}" type="pres">
       <dgm:prSet presAssocID="{430BF8A6-B25F-4678-9DD8-EAB890C5C451}" presName="connTx" presStyleLbl="parChTrans1D3" presStyleIdx="0" presStyleCnt="4"/>
       <dgm:spPr/>
+      <dgm:t>
+        <a:bodyPr/>
+        <a:lstStyle/>
+        <a:p>
+          <a:endParaRPr lang="de-DE"/>
+        </a:p>
+      </dgm:t>
     </dgm:pt>
     <dgm:pt modelId="{70C4A8CE-92F6-41B7-B4AF-AD16193B6FCF}" type="pres">
       <dgm:prSet presAssocID="{5319D49B-A489-470C-84A5-E367B6684990}" presName="Name30" presStyleCnt="0"/>
@@ -2414,6 +2463,13 @@
     <dgm:pt modelId="{451526E4-081A-4918-86C6-0CD601C20B06}" type="pres">
       <dgm:prSet presAssocID="{5319D49B-A489-470C-84A5-E367B6684990}" presName="level2Shape" presStyleLbl="node3" presStyleIdx="0" presStyleCnt="4"/>
       <dgm:spPr/>
+      <dgm:t>
+        <a:bodyPr/>
+        <a:lstStyle/>
+        <a:p>
+          <a:endParaRPr lang="de-DE"/>
+        </a:p>
+      </dgm:t>
     </dgm:pt>
     <dgm:pt modelId="{7E20FC4E-0768-4BB1-A23E-AC2358E54DD2}" type="pres">
       <dgm:prSet presAssocID="{5319D49B-A489-470C-84A5-E367B6684990}" presName="hierChild3" presStyleCnt="0"/>
@@ -2422,10 +2478,24 @@
     <dgm:pt modelId="{D5CF7996-C4FA-4F03-A7EB-C6EBE1B77326}" type="pres">
       <dgm:prSet presAssocID="{6AA62AD8-6A70-417A-B40F-DB10BD9B0ECF}" presName="Name25" presStyleLbl="parChTrans1D2" presStyleIdx="1" presStyleCnt="4"/>
       <dgm:spPr/>
+      <dgm:t>
+        <a:bodyPr/>
+        <a:lstStyle/>
+        <a:p>
+          <a:endParaRPr lang="de-DE"/>
+        </a:p>
+      </dgm:t>
     </dgm:pt>
     <dgm:pt modelId="{6FE53345-FB65-49ED-AA27-9D21D966EC3C}" type="pres">
       <dgm:prSet presAssocID="{6AA62AD8-6A70-417A-B40F-DB10BD9B0ECF}" presName="connTx" presStyleLbl="parChTrans1D2" presStyleIdx="1" presStyleCnt="4"/>
       <dgm:spPr/>
+      <dgm:t>
+        <a:bodyPr/>
+        <a:lstStyle/>
+        <a:p>
+          <a:endParaRPr lang="de-DE"/>
+        </a:p>
+      </dgm:t>
     </dgm:pt>
     <dgm:pt modelId="{0925BC22-3D63-4DD7-BF67-5489FF5FD439}" type="pres">
       <dgm:prSet presAssocID="{F66E53F8-D6FB-4257-8D22-2C44362282A4}" presName="Name30" presStyleCnt="0"/>
@@ -2434,6 +2504,13 @@
     <dgm:pt modelId="{E072308B-D8AC-447B-80AA-A2BC7469DE0E}" type="pres">
       <dgm:prSet presAssocID="{F66E53F8-D6FB-4257-8D22-2C44362282A4}" presName="level2Shape" presStyleLbl="node2" presStyleIdx="1" presStyleCnt="4"/>
       <dgm:spPr/>
+      <dgm:t>
+        <a:bodyPr/>
+        <a:lstStyle/>
+        <a:p>
+          <a:endParaRPr lang="de-DE"/>
+        </a:p>
+      </dgm:t>
     </dgm:pt>
     <dgm:pt modelId="{C636542E-4CCB-4556-B2C6-C80DB8FEC186}" type="pres">
       <dgm:prSet presAssocID="{F66E53F8-D6FB-4257-8D22-2C44362282A4}" presName="hierChild3" presStyleCnt="0"/>
@@ -2442,10 +2519,24 @@
     <dgm:pt modelId="{00B20A69-38B7-4EE1-ABFD-56CB6844E991}" type="pres">
       <dgm:prSet presAssocID="{950B76B0-1707-4EFE-9999-56C3D7F536DB}" presName="Name25" presStyleLbl="parChTrans1D3" presStyleIdx="1" presStyleCnt="4"/>
       <dgm:spPr/>
+      <dgm:t>
+        <a:bodyPr/>
+        <a:lstStyle/>
+        <a:p>
+          <a:endParaRPr lang="de-DE"/>
+        </a:p>
+      </dgm:t>
     </dgm:pt>
     <dgm:pt modelId="{5E5ABFAF-4677-4A74-92E8-AC2D7972A232}" type="pres">
       <dgm:prSet presAssocID="{950B76B0-1707-4EFE-9999-56C3D7F536DB}" presName="connTx" presStyleLbl="parChTrans1D3" presStyleIdx="1" presStyleCnt="4"/>
       <dgm:spPr/>
+      <dgm:t>
+        <a:bodyPr/>
+        <a:lstStyle/>
+        <a:p>
+          <a:endParaRPr lang="de-DE"/>
+        </a:p>
+      </dgm:t>
     </dgm:pt>
     <dgm:pt modelId="{B9127684-ED5A-4B0F-AB9F-9F39E9567F7A}" type="pres">
       <dgm:prSet presAssocID="{41EE3F82-64A4-40E8-87BD-63D0C6EB718A}" presName="Name30" presStyleCnt="0"/>
@@ -2454,6 +2545,13 @@
     <dgm:pt modelId="{371B6F65-AB0C-436D-930B-6E7FF0264EB0}" type="pres">
       <dgm:prSet presAssocID="{41EE3F82-64A4-40E8-87BD-63D0C6EB718A}" presName="level2Shape" presStyleLbl="node3" presStyleIdx="1" presStyleCnt="4"/>
       <dgm:spPr/>
+      <dgm:t>
+        <a:bodyPr/>
+        <a:lstStyle/>
+        <a:p>
+          <a:endParaRPr lang="de-DE"/>
+        </a:p>
+      </dgm:t>
     </dgm:pt>
     <dgm:pt modelId="{8170BAEA-1637-4CB6-B77F-937866AD4D87}" type="pres">
       <dgm:prSet presAssocID="{41EE3F82-64A4-40E8-87BD-63D0C6EB718A}" presName="hierChild3" presStyleCnt="0"/>
@@ -2462,10 +2560,24 @@
     <dgm:pt modelId="{A6291B99-E48D-48F1-BC78-6A7E93774A5A}" type="pres">
       <dgm:prSet presAssocID="{1578236F-1DF5-4050-B7FF-404CDD94B6EA}" presName="Name25" presStyleLbl="parChTrans1D4" presStyleIdx="0" presStyleCnt="3"/>
       <dgm:spPr/>
+      <dgm:t>
+        <a:bodyPr/>
+        <a:lstStyle/>
+        <a:p>
+          <a:endParaRPr lang="de-DE"/>
+        </a:p>
+      </dgm:t>
     </dgm:pt>
     <dgm:pt modelId="{4E958653-7BA4-4A67-B3A8-76414DDAB569}" type="pres">
       <dgm:prSet presAssocID="{1578236F-1DF5-4050-B7FF-404CDD94B6EA}" presName="connTx" presStyleLbl="parChTrans1D4" presStyleIdx="0" presStyleCnt="3"/>
       <dgm:spPr/>
+      <dgm:t>
+        <a:bodyPr/>
+        <a:lstStyle/>
+        <a:p>
+          <a:endParaRPr lang="de-DE"/>
+        </a:p>
+      </dgm:t>
     </dgm:pt>
     <dgm:pt modelId="{47961F3C-B830-4B17-9999-94CC671DE1DB}" type="pres">
       <dgm:prSet presAssocID="{5782410D-A89A-4BED-B774-41E9DAA58738}" presName="Name30" presStyleCnt="0"/>
@@ -2474,6 +2586,13 @@
     <dgm:pt modelId="{D7F01C6D-73B3-4619-B3C5-BEB1E72A56B9}" type="pres">
       <dgm:prSet presAssocID="{5782410D-A89A-4BED-B774-41E9DAA58738}" presName="level2Shape" presStyleLbl="node4" presStyleIdx="0" presStyleCnt="3"/>
       <dgm:spPr/>
+      <dgm:t>
+        <a:bodyPr/>
+        <a:lstStyle/>
+        <a:p>
+          <a:endParaRPr lang="de-DE"/>
+        </a:p>
+      </dgm:t>
     </dgm:pt>
     <dgm:pt modelId="{8043B091-B06C-49DD-8EA9-F3ACE689DAAA}" type="pres">
       <dgm:prSet presAssocID="{5782410D-A89A-4BED-B774-41E9DAA58738}" presName="hierChild3" presStyleCnt="0"/>
@@ -2482,10 +2601,24 @@
     <dgm:pt modelId="{B2BBF248-DFE6-4BBB-9A54-07C576CF5D22}" type="pres">
       <dgm:prSet presAssocID="{7F683329-16FB-46F2-8682-58951852882A}" presName="Name25" presStyleLbl="parChTrans1D4" presStyleIdx="1" presStyleCnt="3"/>
       <dgm:spPr/>
+      <dgm:t>
+        <a:bodyPr/>
+        <a:lstStyle/>
+        <a:p>
+          <a:endParaRPr lang="de-DE"/>
+        </a:p>
+      </dgm:t>
     </dgm:pt>
     <dgm:pt modelId="{64A14A64-BB43-434C-8BEA-A0D9053420D4}" type="pres">
       <dgm:prSet presAssocID="{7F683329-16FB-46F2-8682-58951852882A}" presName="connTx" presStyleLbl="parChTrans1D4" presStyleIdx="1" presStyleCnt="3"/>
       <dgm:spPr/>
+      <dgm:t>
+        <a:bodyPr/>
+        <a:lstStyle/>
+        <a:p>
+          <a:endParaRPr lang="de-DE"/>
+        </a:p>
+      </dgm:t>
     </dgm:pt>
     <dgm:pt modelId="{5318095A-1CC6-412C-B2C0-8351E3E2A25D}" type="pres">
       <dgm:prSet presAssocID="{9BCEFB5C-E2BB-48E2-B998-695E77152CF1}" presName="Name30" presStyleCnt="0"/>
@@ -2494,6 +2627,13 @@
     <dgm:pt modelId="{A1F829AC-A09A-4233-9BA2-D9B5209FB0AF}" type="pres">
       <dgm:prSet presAssocID="{9BCEFB5C-E2BB-48E2-B998-695E77152CF1}" presName="level2Shape" presStyleLbl="node4" presStyleIdx="1" presStyleCnt="3"/>
       <dgm:spPr/>
+      <dgm:t>
+        <a:bodyPr/>
+        <a:lstStyle/>
+        <a:p>
+          <a:endParaRPr lang="de-DE"/>
+        </a:p>
+      </dgm:t>
     </dgm:pt>
     <dgm:pt modelId="{819484CC-BA2B-4FFE-B3C4-A4C5DD589C82}" type="pres">
       <dgm:prSet presAssocID="{9BCEFB5C-E2BB-48E2-B998-695E77152CF1}" presName="hierChild3" presStyleCnt="0"/>
@@ -2502,10 +2642,24 @@
     <dgm:pt modelId="{72890E24-56A3-4DCA-B2C5-757F5845B3D3}" type="pres">
       <dgm:prSet presAssocID="{B667156B-C8D9-4818-88F2-24208C989CEC}" presName="Name25" presStyleLbl="parChTrans1D4" presStyleIdx="2" presStyleCnt="3"/>
       <dgm:spPr/>
+      <dgm:t>
+        <a:bodyPr/>
+        <a:lstStyle/>
+        <a:p>
+          <a:endParaRPr lang="de-DE"/>
+        </a:p>
+      </dgm:t>
     </dgm:pt>
     <dgm:pt modelId="{698E46A5-465E-4592-8CC4-4DD362EC5A70}" type="pres">
       <dgm:prSet presAssocID="{B667156B-C8D9-4818-88F2-24208C989CEC}" presName="connTx" presStyleLbl="parChTrans1D4" presStyleIdx="2" presStyleCnt="3"/>
       <dgm:spPr/>
+      <dgm:t>
+        <a:bodyPr/>
+        <a:lstStyle/>
+        <a:p>
+          <a:endParaRPr lang="de-DE"/>
+        </a:p>
+      </dgm:t>
     </dgm:pt>
     <dgm:pt modelId="{6E8491DE-A925-41ED-ABE9-15DE2D07943B}" type="pres">
       <dgm:prSet presAssocID="{1B23D846-B67C-4F3D-A6BC-12A7390838BF}" presName="Name30" presStyleCnt="0"/>
@@ -2514,6 +2668,13 @@
     <dgm:pt modelId="{BCB26A2F-2B4D-4A30-AAA9-A8820AEBDDC3}" type="pres">
       <dgm:prSet presAssocID="{1B23D846-B67C-4F3D-A6BC-12A7390838BF}" presName="level2Shape" presStyleLbl="node4" presStyleIdx="2" presStyleCnt="3"/>
       <dgm:spPr/>
+      <dgm:t>
+        <a:bodyPr/>
+        <a:lstStyle/>
+        <a:p>
+          <a:endParaRPr lang="de-DE"/>
+        </a:p>
+      </dgm:t>
     </dgm:pt>
     <dgm:pt modelId="{DA4F86E6-2ED9-47BA-B484-BA976E6708E8}" type="pres">
       <dgm:prSet presAssocID="{1B23D846-B67C-4F3D-A6BC-12A7390838BF}" presName="hierChild3" presStyleCnt="0"/>
@@ -2522,10 +2683,24 @@
     <dgm:pt modelId="{EBF49791-BFDC-444E-A778-72488B934938}" type="pres">
       <dgm:prSet presAssocID="{D7607EF0-FA29-4E03-828A-8D529BB15B7F}" presName="Name25" presStyleLbl="parChTrans1D2" presStyleIdx="2" presStyleCnt="4"/>
       <dgm:spPr/>
+      <dgm:t>
+        <a:bodyPr/>
+        <a:lstStyle/>
+        <a:p>
+          <a:endParaRPr lang="de-DE"/>
+        </a:p>
+      </dgm:t>
     </dgm:pt>
     <dgm:pt modelId="{9CC585BC-9A42-4147-9BF2-DF64A43F45B9}" type="pres">
       <dgm:prSet presAssocID="{D7607EF0-FA29-4E03-828A-8D529BB15B7F}" presName="connTx" presStyleLbl="parChTrans1D2" presStyleIdx="2" presStyleCnt="4"/>
       <dgm:spPr/>
+      <dgm:t>
+        <a:bodyPr/>
+        <a:lstStyle/>
+        <a:p>
+          <a:endParaRPr lang="de-DE"/>
+        </a:p>
+      </dgm:t>
     </dgm:pt>
     <dgm:pt modelId="{9907301D-2FF7-4553-8C48-D99A69FF4A3C}" type="pres">
       <dgm:prSet presAssocID="{275AE58B-D542-4CFE-A551-54890738FC2E}" presName="Name30" presStyleCnt="0"/>
@@ -2534,6 +2709,13 @@
     <dgm:pt modelId="{B6820CF3-2F9D-405E-A8BE-4C9AB4F439E1}" type="pres">
       <dgm:prSet presAssocID="{275AE58B-D542-4CFE-A551-54890738FC2E}" presName="level2Shape" presStyleLbl="node2" presStyleIdx="2" presStyleCnt="4"/>
       <dgm:spPr/>
+      <dgm:t>
+        <a:bodyPr/>
+        <a:lstStyle/>
+        <a:p>
+          <a:endParaRPr lang="de-DE"/>
+        </a:p>
+      </dgm:t>
     </dgm:pt>
     <dgm:pt modelId="{4BD96AC0-8A00-4C08-A23C-736DB0C821E0}" type="pres">
       <dgm:prSet presAssocID="{275AE58B-D542-4CFE-A551-54890738FC2E}" presName="hierChild3" presStyleCnt="0"/>
@@ -2542,10 +2724,24 @@
     <dgm:pt modelId="{76E2BFBA-0E77-4B32-87ED-24E4F498DBAF}" type="pres">
       <dgm:prSet presAssocID="{3FDB4766-8759-4C74-BE59-56A54712B3F6}" presName="Name25" presStyleLbl="parChTrans1D3" presStyleIdx="2" presStyleCnt="4"/>
       <dgm:spPr/>
+      <dgm:t>
+        <a:bodyPr/>
+        <a:lstStyle/>
+        <a:p>
+          <a:endParaRPr lang="de-DE"/>
+        </a:p>
+      </dgm:t>
     </dgm:pt>
     <dgm:pt modelId="{095FA012-BDA1-4CE8-85DB-D001DC3A5E12}" type="pres">
       <dgm:prSet presAssocID="{3FDB4766-8759-4C74-BE59-56A54712B3F6}" presName="connTx" presStyleLbl="parChTrans1D3" presStyleIdx="2" presStyleCnt="4"/>
       <dgm:spPr/>
+      <dgm:t>
+        <a:bodyPr/>
+        <a:lstStyle/>
+        <a:p>
+          <a:endParaRPr lang="de-DE"/>
+        </a:p>
+      </dgm:t>
     </dgm:pt>
     <dgm:pt modelId="{E1612655-39EE-414C-9417-C84F10861C10}" type="pres">
       <dgm:prSet presAssocID="{103F5BD0-AC46-403F-9E45-E3A5AD0ADAD3}" presName="Name30" presStyleCnt="0"/>
@@ -2554,6 +2750,13 @@
     <dgm:pt modelId="{E7ED9711-7CEB-4535-8412-6030FB3E4C4D}" type="pres">
       <dgm:prSet presAssocID="{103F5BD0-AC46-403F-9E45-E3A5AD0ADAD3}" presName="level2Shape" presStyleLbl="node3" presStyleIdx="2" presStyleCnt="4"/>
       <dgm:spPr/>
+      <dgm:t>
+        <a:bodyPr/>
+        <a:lstStyle/>
+        <a:p>
+          <a:endParaRPr lang="de-DE"/>
+        </a:p>
+      </dgm:t>
     </dgm:pt>
     <dgm:pt modelId="{718F904C-E185-437C-B99B-121540AF774D}" type="pres">
       <dgm:prSet presAssocID="{103F5BD0-AC46-403F-9E45-E3A5AD0ADAD3}" presName="hierChild3" presStyleCnt="0"/>
@@ -2562,10 +2765,24 @@
     <dgm:pt modelId="{2B5FE727-AD65-4B3A-AC1D-C1865476E720}" type="pres">
       <dgm:prSet presAssocID="{DDEC643A-0BB3-4906-9970-715C2BA527CE}" presName="Name25" presStyleLbl="parChTrans1D2" presStyleIdx="3" presStyleCnt="4"/>
       <dgm:spPr/>
+      <dgm:t>
+        <a:bodyPr/>
+        <a:lstStyle/>
+        <a:p>
+          <a:endParaRPr lang="de-DE"/>
+        </a:p>
+      </dgm:t>
     </dgm:pt>
     <dgm:pt modelId="{52ECA572-CF53-4ED8-BCA1-A374089D63A2}" type="pres">
       <dgm:prSet presAssocID="{DDEC643A-0BB3-4906-9970-715C2BA527CE}" presName="connTx" presStyleLbl="parChTrans1D2" presStyleIdx="3" presStyleCnt="4"/>
       <dgm:spPr/>
+      <dgm:t>
+        <a:bodyPr/>
+        <a:lstStyle/>
+        <a:p>
+          <a:endParaRPr lang="de-DE"/>
+        </a:p>
+      </dgm:t>
     </dgm:pt>
     <dgm:pt modelId="{6CC5CAA8-837F-401D-81D7-52EAFF3F54F3}" type="pres">
       <dgm:prSet presAssocID="{D57B3C15-0D5C-4560-A9E9-76CCAE03D57B}" presName="Name30" presStyleCnt="0"/>
@@ -2574,6 +2791,13 @@
     <dgm:pt modelId="{57779EBC-E909-4FFE-B23A-3CF4EC0216ED}" type="pres">
       <dgm:prSet presAssocID="{D57B3C15-0D5C-4560-A9E9-76CCAE03D57B}" presName="level2Shape" presStyleLbl="node2" presStyleIdx="3" presStyleCnt="4"/>
       <dgm:spPr/>
+      <dgm:t>
+        <a:bodyPr/>
+        <a:lstStyle/>
+        <a:p>
+          <a:endParaRPr lang="de-DE"/>
+        </a:p>
+      </dgm:t>
     </dgm:pt>
     <dgm:pt modelId="{9DC4EB62-027E-43BB-84A6-9065A4672B50}" type="pres">
       <dgm:prSet presAssocID="{D57B3C15-0D5C-4560-A9E9-76CCAE03D57B}" presName="hierChild3" presStyleCnt="0"/>
@@ -2582,10 +2806,24 @@
     <dgm:pt modelId="{0EA5EF79-B8D0-4BE2-8F94-1DD44DE6B5A1}" type="pres">
       <dgm:prSet presAssocID="{B2C41CC9-426E-4C36-97EB-27B3A0AF341F}" presName="Name25" presStyleLbl="parChTrans1D3" presStyleIdx="3" presStyleCnt="4"/>
       <dgm:spPr/>
+      <dgm:t>
+        <a:bodyPr/>
+        <a:lstStyle/>
+        <a:p>
+          <a:endParaRPr lang="de-DE"/>
+        </a:p>
+      </dgm:t>
     </dgm:pt>
     <dgm:pt modelId="{F42A628A-D0B1-4A47-A240-BC8EC41B7C5A}" type="pres">
       <dgm:prSet presAssocID="{B2C41CC9-426E-4C36-97EB-27B3A0AF341F}" presName="connTx" presStyleLbl="parChTrans1D3" presStyleIdx="3" presStyleCnt="4"/>
       <dgm:spPr/>
+      <dgm:t>
+        <a:bodyPr/>
+        <a:lstStyle/>
+        <a:p>
+          <a:endParaRPr lang="de-DE"/>
+        </a:p>
+      </dgm:t>
     </dgm:pt>
     <dgm:pt modelId="{22C8E93F-3252-465F-BCF9-61F03C17B6F9}" type="pres">
       <dgm:prSet presAssocID="{8C244FC0-B771-4277-9EB9-744A18A0393F}" presName="Name30" presStyleCnt="0"/>
@@ -2594,6 +2832,13 @@
     <dgm:pt modelId="{4F100A3D-AFE9-4E14-A6C4-F122C00FD2B6}" type="pres">
       <dgm:prSet presAssocID="{8C244FC0-B771-4277-9EB9-744A18A0393F}" presName="level2Shape" presStyleLbl="node3" presStyleIdx="3" presStyleCnt="4"/>
       <dgm:spPr/>
+      <dgm:t>
+        <a:bodyPr/>
+        <a:lstStyle/>
+        <a:p>
+          <a:endParaRPr lang="de-DE"/>
+        </a:p>
+      </dgm:t>
     </dgm:pt>
     <dgm:pt modelId="{2BEB92F9-D905-41DD-96DE-9676D54EFA93}" type="pres">
       <dgm:prSet presAssocID="{8C244FC0-B771-4277-9EB9-744A18A0393F}" presName="hierChild3" presStyleCnt="0"/>
@@ -2610,6 +2855,13 @@
     <dgm:pt modelId="{C4E64EA5-472F-491E-AAAD-15137006683A}" type="pres">
       <dgm:prSet presAssocID="{21B1C583-832F-45E3-B4F6-3002CFBCA685}" presName="bgRect" presStyleLbl="bgShp" presStyleIdx="0" presStyleCnt="6"/>
       <dgm:spPr/>
+      <dgm:t>
+        <a:bodyPr/>
+        <a:lstStyle/>
+        <a:p>
+          <a:endParaRPr lang="de-DE"/>
+        </a:p>
+      </dgm:t>
     </dgm:pt>
     <dgm:pt modelId="{5ACE7AAA-5D2C-4367-81C8-622108E11072}" type="pres">
       <dgm:prSet presAssocID="{21B1C583-832F-45E3-B4F6-3002CFBCA685}" presName="bgRectTx" presStyleLbl="bgShp" presStyleIdx="0" presStyleCnt="6">
@@ -2618,6 +2870,13 @@
         </dgm:presLayoutVars>
       </dgm:prSet>
       <dgm:spPr/>
+      <dgm:t>
+        <a:bodyPr/>
+        <a:lstStyle/>
+        <a:p>
+          <a:endParaRPr lang="de-DE"/>
+        </a:p>
+      </dgm:t>
     </dgm:pt>
     <dgm:pt modelId="{8CD146C5-8425-427E-BCFC-33D34259BB53}" type="pres">
       <dgm:prSet presAssocID="{21B1C583-832F-45E3-B4F6-3002CFBCA685}" presName="spComp" presStyleCnt="0"/>
@@ -2634,6 +2893,13 @@
     <dgm:pt modelId="{F2BF1ADC-5185-41EF-9ADC-4215717A4086}" type="pres">
       <dgm:prSet presAssocID="{797ECDAE-0363-43FB-B954-A2E9E0D6E0DD}" presName="bgRect" presStyleLbl="bgShp" presStyleIdx="1" presStyleCnt="6"/>
       <dgm:spPr/>
+      <dgm:t>
+        <a:bodyPr/>
+        <a:lstStyle/>
+        <a:p>
+          <a:endParaRPr lang="de-DE"/>
+        </a:p>
+      </dgm:t>
     </dgm:pt>
     <dgm:pt modelId="{9564E0D4-B3EA-4E94-A8EE-3A94054DECE0}" type="pres">
       <dgm:prSet presAssocID="{797ECDAE-0363-43FB-B954-A2E9E0D6E0DD}" presName="bgRectTx" presStyleLbl="bgShp" presStyleIdx="1" presStyleCnt="6">
@@ -2642,6 +2908,13 @@
         </dgm:presLayoutVars>
       </dgm:prSet>
       <dgm:spPr/>
+      <dgm:t>
+        <a:bodyPr/>
+        <a:lstStyle/>
+        <a:p>
+          <a:endParaRPr lang="de-DE"/>
+        </a:p>
+      </dgm:t>
     </dgm:pt>
     <dgm:pt modelId="{6E6EB125-994C-4E20-A2C2-0119312E4180}" type="pres">
       <dgm:prSet presAssocID="{797ECDAE-0363-43FB-B954-A2E9E0D6E0DD}" presName="spComp" presStyleCnt="0"/>
@@ -2658,6 +2931,13 @@
     <dgm:pt modelId="{F9AA58D9-4967-4204-95C8-7B9FEC1B399C}" type="pres">
       <dgm:prSet presAssocID="{52FF6DC3-7EDD-4988-AAB1-4E9195D19F58}" presName="bgRect" presStyleLbl="bgShp" presStyleIdx="2" presStyleCnt="6"/>
       <dgm:spPr/>
+      <dgm:t>
+        <a:bodyPr/>
+        <a:lstStyle/>
+        <a:p>
+          <a:endParaRPr lang="de-DE"/>
+        </a:p>
+      </dgm:t>
     </dgm:pt>
     <dgm:pt modelId="{FF182C8F-49EA-4969-9B7D-101478AF2ECB}" type="pres">
       <dgm:prSet presAssocID="{52FF6DC3-7EDD-4988-AAB1-4E9195D19F58}" presName="bgRectTx" presStyleLbl="bgShp" presStyleIdx="2" presStyleCnt="6">
@@ -2666,6 +2946,13 @@
         </dgm:presLayoutVars>
       </dgm:prSet>
       <dgm:spPr/>
+      <dgm:t>
+        <a:bodyPr/>
+        <a:lstStyle/>
+        <a:p>
+          <a:endParaRPr lang="de-DE"/>
+        </a:p>
+      </dgm:t>
     </dgm:pt>
     <dgm:pt modelId="{E5C25606-D8A3-4806-8ED0-CB4FD3614ADE}" type="pres">
       <dgm:prSet presAssocID="{52FF6DC3-7EDD-4988-AAB1-4E9195D19F58}" presName="spComp" presStyleCnt="0"/>
@@ -2682,6 +2969,13 @@
     <dgm:pt modelId="{4ADDF2CC-33FE-4679-B662-6BA5D1C398CE}" type="pres">
       <dgm:prSet presAssocID="{FCFB82E4-231B-465A-98B9-2BF9DDDAD80C}" presName="bgRect" presStyleLbl="bgShp" presStyleIdx="3" presStyleCnt="6"/>
       <dgm:spPr/>
+      <dgm:t>
+        <a:bodyPr/>
+        <a:lstStyle/>
+        <a:p>
+          <a:endParaRPr lang="de-DE"/>
+        </a:p>
+      </dgm:t>
     </dgm:pt>
     <dgm:pt modelId="{25C1CDD1-0F34-43FF-9D2A-2C6538946ADE}" type="pres">
       <dgm:prSet presAssocID="{FCFB82E4-231B-465A-98B9-2BF9DDDAD80C}" presName="bgRectTx" presStyleLbl="bgShp" presStyleIdx="3" presStyleCnt="6">
@@ -2690,6 +2984,13 @@
         </dgm:presLayoutVars>
       </dgm:prSet>
       <dgm:spPr/>
+      <dgm:t>
+        <a:bodyPr/>
+        <a:lstStyle/>
+        <a:p>
+          <a:endParaRPr lang="de-DE"/>
+        </a:p>
+      </dgm:t>
     </dgm:pt>
     <dgm:pt modelId="{5DFCA66A-41B9-4CD7-8BDC-4473E87EBFD5}" type="pres">
       <dgm:prSet presAssocID="{FCFB82E4-231B-465A-98B9-2BF9DDDAD80C}" presName="spComp" presStyleCnt="0"/>
@@ -2706,6 +3007,13 @@
     <dgm:pt modelId="{1883FE3A-CA21-48D0-A16F-3BB15763B34D}" type="pres">
       <dgm:prSet presAssocID="{5F535BFC-4DA7-4D7D-AB2B-D1F2BD12BB30}" presName="bgRect" presStyleLbl="bgShp" presStyleIdx="4" presStyleCnt="6"/>
       <dgm:spPr/>
+      <dgm:t>
+        <a:bodyPr/>
+        <a:lstStyle/>
+        <a:p>
+          <a:endParaRPr lang="de-DE"/>
+        </a:p>
+      </dgm:t>
     </dgm:pt>
     <dgm:pt modelId="{FB88FE67-2F15-4D08-ACAE-80E39397F34B}" type="pres">
       <dgm:prSet presAssocID="{5F535BFC-4DA7-4D7D-AB2B-D1F2BD12BB30}" presName="bgRectTx" presStyleLbl="bgShp" presStyleIdx="4" presStyleCnt="6">
@@ -2714,6 +3022,13 @@
         </dgm:presLayoutVars>
       </dgm:prSet>
       <dgm:spPr/>
+      <dgm:t>
+        <a:bodyPr/>
+        <a:lstStyle/>
+        <a:p>
+          <a:endParaRPr lang="de-DE"/>
+        </a:p>
+      </dgm:t>
     </dgm:pt>
     <dgm:pt modelId="{57A73E24-83B2-4972-963E-7405987D8285}" type="pres">
       <dgm:prSet presAssocID="{5F535BFC-4DA7-4D7D-AB2B-D1F2BD12BB30}" presName="spComp" presStyleCnt="0"/>
@@ -2730,6 +3045,13 @@
     <dgm:pt modelId="{F22AF2A4-2654-4B82-9EAA-88690221850C}" type="pres">
       <dgm:prSet presAssocID="{E12F4BF5-2F1C-4217-879A-8285E37900DF}" presName="bgRect" presStyleLbl="bgShp" presStyleIdx="5" presStyleCnt="6"/>
       <dgm:spPr/>
+      <dgm:t>
+        <a:bodyPr/>
+        <a:lstStyle/>
+        <a:p>
+          <a:endParaRPr lang="de-DE"/>
+        </a:p>
+      </dgm:t>
     </dgm:pt>
     <dgm:pt modelId="{4B568D6A-0AE5-4109-B021-7377D84AAD10}" type="pres">
       <dgm:prSet presAssocID="{E12F4BF5-2F1C-4217-879A-8285E37900DF}" presName="bgRectTx" presStyleLbl="bgShp" presStyleIdx="5" presStyleCnt="6">
@@ -2738,74 +3060,81 @@
         </dgm:presLayoutVars>
       </dgm:prSet>
       <dgm:spPr/>
+      <dgm:t>
+        <a:bodyPr/>
+        <a:lstStyle/>
+        <a:p>
+          <a:endParaRPr lang="de-DE"/>
+        </a:p>
+      </dgm:t>
     </dgm:pt>
   </dgm:ptLst>
   <dgm:cxnLst>
+    <dgm:cxn modelId="{151099E8-7578-4BFE-B227-0441E168E0A0}" type="presOf" srcId="{5319D49B-A489-470C-84A5-E367B6684990}" destId="{451526E4-081A-4918-86C6-0CD601C20B06}" srcOrd="0" destOrd="0" presId="urn:microsoft.com/office/officeart/2005/8/layout/hierarchy5"/>
+    <dgm:cxn modelId="{8B075B2D-9B1C-424B-9B72-805992447A83}" srcId="{CFFEDD38-F688-4952-B836-33FA05DDB5B8}" destId="{08AAB7DC-521E-4BE6-B730-BDD7F5A253B2}" srcOrd="0" destOrd="0" parTransId="{9E9A6CE4-6DAE-41A8-880E-F730A68F525D}" sibTransId="{50793557-0FDF-496C-9304-7E66377A7F89}"/>
+    <dgm:cxn modelId="{04D0958F-DE08-42DC-8E48-6A5C69E58B3D}" type="presOf" srcId="{3FDB4766-8759-4C74-BE59-56A54712B3F6}" destId="{76E2BFBA-0E77-4B32-87ED-24E4F498DBAF}" srcOrd="0" destOrd="0" presId="urn:microsoft.com/office/officeart/2005/8/layout/hierarchy5"/>
+    <dgm:cxn modelId="{11970FBF-C8D4-4E45-BCAF-B099DCE95AA4}" type="presOf" srcId="{B667156B-C8D9-4818-88F2-24208C989CEC}" destId="{72890E24-56A3-4DCA-B2C5-757F5845B3D3}" srcOrd="0" destOrd="0" presId="urn:microsoft.com/office/officeart/2005/8/layout/hierarchy5"/>
+    <dgm:cxn modelId="{028E231F-5DFE-4977-8EA9-011A375B7B57}" type="presOf" srcId="{D7607EF0-FA29-4E03-828A-8D529BB15B7F}" destId="{EBF49791-BFDC-444E-A778-72488B934938}" srcOrd="0" destOrd="0" presId="urn:microsoft.com/office/officeart/2005/8/layout/hierarchy5"/>
+    <dgm:cxn modelId="{E3606BB6-C9B7-4860-8CF7-E3FB4E359D30}" type="presOf" srcId="{D57B3C15-0D5C-4560-A9E9-76CCAE03D57B}" destId="{57779EBC-E909-4FFE-B23A-3CF4EC0216ED}" srcOrd="0" destOrd="0" presId="urn:microsoft.com/office/officeart/2005/8/layout/hierarchy5"/>
+    <dgm:cxn modelId="{9CBE6FE2-6D1E-4C48-837C-80483B45CDF7}" srcId="{CFFEDD38-F688-4952-B836-33FA05DDB5B8}" destId="{5F535BFC-4DA7-4D7D-AB2B-D1F2BD12BB30}" srcOrd="5" destOrd="0" parTransId="{BCE16DCC-739C-4A7B-9726-46D57BDE19A4}" sibTransId="{E500015B-74AB-4845-88CA-67979A1C92FF}"/>
+    <dgm:cxn modelId="{B6619E38-6403-4BED-8434-C799BBAED5D7}" srcId="{08AAB7DC-521E-4BE6-B730-BDD7F5A253B2}" destId="{D57B3C15-0D5C-4560-A9E9-76CCAE03D57B}" srcOrd="3" destOrd="0" parTransId="{DDEC643A-0BB3-4906-9970-715C2BA527CE}" sibTransId="{18321A04-D3F3-4850-9631-AA906ACCA872}"/>
+    <dgm:cxn modelId="{98707221-EBD1-40EB-8BA0-D1438E5F76BE}" srcId="{CFFEDD38-F688-4952-B836-33FA05DDB5B8}" destId="{E12F4BF5-2F1C-4217-879A-8285E37900DF}" srcOrd="6" destOrd="0" parTransId="{443B9D68-840B-4725-94D6-0CC37FC480D1}" sibTransId="{71EFEBA1-4996-4976-B146-2A805E9A9BA5}"/>
+    <dgm:cxn modelId="{A85B5053-AA5D-46AE-8924-557190CC104C}" type="presOf" srcId="{1578236F-1DF5-4050-B7FF-404CDD94B6EA}" destId="{A6291B99-E48D-48F1-BC78-6A7E93774A5A}" srcOrd="0" destOrd="0" presId="urn:microsoft.com/office/officeart/2005/8/layout/hierarchy5"/>
+    <dgm:cxn modelId="{9E694608-7F79-483B-A89D-7E0CDDA95365}" type="presOf" srcId="{41EE3F82-64A4-40E8-87BD-63D0C6EB718A}" destId="{371B6F65-AB0C-436D-930B-6E7FF0264EB0}" srcOrd="0" destOrd="0" presId="urn:microsoft.com/office/officeart/2005/8/layout/hierarchy5"/>
+    <dgm:cxn modelId="{612CAEBF-4A48-413C-B595-7EED5135B7CE}" type="presOf" srcId="{DDEC643A-0BB3-4906-9970-715C2BA527CE}" destId="{52ECA572-CF53-4ED8-BCA1-A374089D63A2}" srcOrd="1" destOrd="0" presId="urn:microsoft.com/office/officeart/2005/8/layout/hierarchy5"/>
+    <dgm:cxn modelId="{883CBD7F-617B-4926-903F-78A8BC3EB5D5}" type="presOf" srcId="{3FDB4766-8759-4C74-BE59-56A54712B3F6}" destId="{095FA012-BDA1-4CE8-85DB-D001DC3A5E12}" srcOrd="1" destOrd="0" presId="urn:microsoft.com/office/officeart/2005/8/layout/hierarchy5"/>
+    <dgm:cxn modelId="{D3474CFF-BB9A-402A-A672-83C207DB60BC}" type="presOf" srcId="{9BCEFB5C-E2BB-48E2-B998-695E77152CF1}" destId="{A1F829AC-A09A-4233-9BA2-D9B5209FB0AF}" srcOrd="0" destOrd="0" presId="urn:microsoft.com/office/officeart/2005/8/layout/hierarchy5"/>
+    <dgm:cxn modelId="{0DAF56DB-9BBC-428E-B581-30D3B3354B18}" type="presOf" srcId="{21B1C583-832F-45E3-B4F6-3002CFBCA685}" destId="{5ACE7AAA-5D2C-4367-81C8-622108E11072}" srcOrd="1" destOrd="0" presId="urn:microsoft.com/office/officeart/2005/8/layout/hierarchy5"/>
+    <dgm:cxn modelId="{32E26193-E0CF-43F8-B877-62F78D38027E}" type="presOf" srcId="{08AAB7DC-521E-4BE6-B730-BDD7F5A253B2}" destId="{33B92B92-FDC1-4F9F-BFA7-271786560C8E}" srcOrd="0" destOrd="0" presId="urn:microsoft.com/office/officeart/2005/8/layout/hierarchy5"/>
+    <dgm:cxn modelId="{BDF3EBED-C9C9-44D2-A772-C5B383A0E69E}" type="presOf" srcId="{1578236F-1DF5-4050-B7FF-404CDD94B6EA}" destId="{4E958653-7BA4-4A67-B3A8-76414DDAB569}" srcOrd="1" destOrd="0" presId="urn:microsoft.com/office/officeart/2005/8/layout/hierarchy5"/>
+    <dgm:cxn modelId="{259DD8E5-AE9E-4BA3-8EAE-632143C9E006}" type="presOf" srcId="{52FF6DC3-7EDD-4988-AAB1-4E9195D19F58}" destId="{F9AA58D9-4967-4204-95C8-7B9FEC1B399C}" srcOrd="0" destOrd="0" presId="urn:microsoft.com/office/officeart/2005/8/layout/hierarchy5"/>
+    <dgm:cxn modelId="{1BD75E55-33FA-4463-9D54-8C7B4F5D574B}" srcId="{41EE3F82-64A4-40E8-87BD-63D0C6EB718A}" destId="{5782410D-A89A-4BED-B774-41E9DAA58738}" srcOrd="0" destOrd="0" parTransId="{1578236F-1DF5-4050-B7FF-404CDD94B6EA}" sibTransId="{C69D9037-CF31-458A-9DCD-72F3CF7F23E5}"/>
+    <dgm:cxn modelId="{3FC52ECC-F50E-4841-9B36-E64E04E85AEC}" type="presOf" srcId="{5782410D-A89A-4BED-B774-41E9DAA58738}" destId="{D7F01C6D-73B3-4619-B3C5-BEB1E72A56B9}" srcOrd="0" destOrd="0" presId="urn:microsoft.com/office/officeart/2005/8/layout/hierarchy5"/>
+    <dgm:cxn modelId="{C5F27EC9-AC27-4909-B4AB-CBCCCF9CAC20}" srcId="{275AE58B-D542-4CFE-A551-54890738FC2E}" destId="{103F5BD0-AC46-403F-9E45-E3A5AD0ADAD3}" srcOrd="0" destOrd="0" parTransId="{3FDB4766-8759-4C74-BE59-56A54712B3F6}" sibTransId="{4E4BDDA3-B8A9-4E3E-9D78-E4F4C9D829C4}"/>
+    <dgm:cxn modelId="{A487F326-FCF9-4954-A6F2-149FAA547662}" type="presOf" srcId="{5F535BFC-4DA7-4D7D-AB2B-D1F2BD12BB30}" destId="{FB88FE67-2F15-4D08-ACAE-80E39397F34B}" srcOrd="1" destOrd="0" presId="urn:microsoft.com/office/officeart/2005/8/layout/hierarchy5"/>
+    <dgm:cxn modelId="{32015B62-0D35-4988-A0B6-CDCDB701D6F2}" type="presOf" srcId="{430BF8A6-B25F-4678-9DD8-EAB890C5C451}" destId="{E7F68C47-CADE-497C-868C-783777FCA2E8}" srcOrd="1" destOrd="0" presId="urn:microsoft.com/office/officeart/2005/8/layout/hierarchy5"/>
+    <dgm:cxn modelId="{9768AEAE-60FC-4BC6-982A-DAAE8212034F}" type="presOf" srcId="{797ECDAE-0363-43FB-B954-A2E9E0D6E0DD}" destId="{F2BF1ADC-5185-41EF-9ADC-4215717A4086}" srcOrd="0" destOrd="0" presId="urn:microsoft.com/office/officeart/2005/8/layout/hierarchy5"/>
+    <dgm:cxn modelId="{6443CE78-E714-49D7-863C-FE6783287668}" type="presOf" srcId="{5F535BFC-4DA7-4D7D-AB2B-D1F2BD12BB30}" destId="{1883FE3A-CA21-48D0-A16F-3BB15763B34D}" srcOrd="0" destOrd="0" presId="urn:microsoft.com/office/officeart/2005/8/layout/hierarchy5"/>
+    <dgm:cxn modelId="{B0E06F46-67B1-4FCF-933D-F5AB93C1B4D7}" srcId="{08AAB7DC-521E-4BE6-B730-BDD7F5A253B2}" destId="{275AE58B-D542-4CFE-A551-54890738FC2E}" srcOrd="2" destOrd="0" parTransId="{D7607EF0-FA29-4E03-828A-8D529BB15B7F}" sibTransId="{A2F8999A-84AD-47D0-9FC5-C623A4CB7BB3}"/>
+    <dgm:cxn modelId="{A67075C8-34A5-4DAD-B56D-CAC03B3B92E5}" srcId="{08AAB7DC-521E-4BE6-B730-BDD7F5A253B2}" destId="{F66E53F8-D6FB-4257-8D22-2C44362282A4}" srcOrd="1" destOrd="0" parTransId="{6AA62AD8-6A70-417A-B40F-DB10BD9B0ECF}" sibTransId="{B022AFF4-D716-442F-A63A-4538ED128412}"/>
+    <dgm:cxn modelId="{B051ABB5-2714-45E3-B747-F150ED0BED34}" type="presOf" srcId="{E12F4BF5-2F1C-4217-879A-8285E37900DF}" destId="{4B568D6A-0AE5-4109-B021-7377D84AAD10}" srcOrd="1" destOrd="0" presId="urn:microsoft.com/office/officeart/2005/8/layout/hierarchy5"/>
+    <dgm:cxn modelId="{6A33591C-DEDB-463C-BEB2-98AD4509EA3E}" srcId="{CFFEDD38-F688-4952-B836-33FA05DDB5B8}" destId="{797ECDAE-0363-43FB-B954-A2E9E0D6E0DD}" srcOrd="2" destOrd="0" parTransId="{AFC5C353-8BAB-4308-96A9-8E4F96452E52}" sibTransId="{AFCEA226-D409-493C-B372-5BE204360A7D}"/>
+    <dgm:cxn modelId="{C5057685-D3A4-44C3-AB06-69EBEA941E98}" type="presOf" srcId="{DDEC643A-0BB3-4906-9970-715C2BA527CE}" destId="{2B5FE727-AD65-4B3A-AC1D-C1865476E720}" srcOrd="0" destOrd="0" presId="urn:microsoft.com/office/officeart/2005/8/layout/hierarchy5"/>
+    <dgm:cxn modelId="{D2587AA0-491E-420C-BD72-74A21DDAA9E6}" srcId="{D57B3C15-0D5C-4560-A9E9-76CCAE03D57B}" destId="{8C244FC0-B771-4277-9EB9-744A18A0393F}" srcOrd="0" destOrd="0" parTransId="{B2C41CC9-426E-4C36-97EB-27B3A0AF341F}" sibTransId="{8134FF91-D528-425E-A675-6410A5AFDDF5}"/>
+    <dgm:cxn modelId="{E75EB491-BBAF-44EA-8DCF-EFE5BC0CFB02}" type="presOf" srcId="{430BF8A6-B25F-4678-9DD8-EAB890C5C451}" destId="{FBE489D0-4F42-4E7E-BEEE-8985FCC77F60}" srcOrd="0" destOrd="0" presId="urn:microsoft.com/office/officeart/2005/8/layout/hierarchy5"/>
+    <dgm:cxn modelId="{A542BED9-50A5-4F70-944C-FCB12FE4CB71}" type="presOf" srcId="{B2C41CC9-426E-4C36-97EB-27B3A0AF341F}" destId="{0EA5EF79-B8D0-4BE2-8F94-1DD44DE6B5A1}" srcOrd="0" destOrd="0" presId="urn:microsoft.com/office/officeart/2005/8/layout/hierarchy5"/>
+    <dgm:cxn modelId="{5C0039F5-17DA-4C3E-B2A6-80B74D99DB5E}" type="presOf" srcId="{21B1C583-832F-45E3-B4F6-3002CFBCA685}" destId="{C4E64EA5-472F-491E-AAAD-15137006683A}" srcOrd="0" destOrd="0" presId="urn:microsoft.com/office/officeart/2005/8/layout/hierarchy5"/>
+    <dgm:cxn modelId="{6EA70D4B-F9D4-4875-8D87-244314C5AE2F}" type="presOf" srcId="{7F683329-16FB-46F2-8682-58951852882A}" destId="{B2BBF248-DFE6-4BBB-9A54-07C576CF5D22}" srcOrd="0" destOrd="0" presId="urn:microsoft.com/office/officeart/2005/8/layout/hierarchy5"/>
+    <dgm:cxn modelId="{BE9BAB52-8AFE-44E1-8758-A36C3D7F251C}" type="presOf" srcId="{E12F4BF5-2F1C-4217-879A-8285E37900DF}" destId="{F22AF2A4-2654-4B82-9EAA-88690221850C}" srcOrd="0" destOrd="0" presId="urn:microsoft.com/office/officeart/2005/8/layout/hierarchy5"/>
+    <dgm:cxn modelId="{C24CF12D-5D27-4BAD-B442-D7A244B1F54C}" type="presOf" srcId="{D40641AB-C226-4C29-8D62-6A99CC061BEA}" destId="{1A25E02E-86C4-4E08-B12B-CF6ADC0FEEF6}" srcOrd="0" destOrd="0" presId="urn:microsoft.com/office/officeart/2005/8/layout/hierarchy5"/>
+    <dgm:cxn modelId="{CC80C0DE-AC49-44A0-B471-D5DA86FC9DAA}" type="presOf" srcId="{2DEF6E63-5ED4-41BA-B004-47ED6321E897}" destId="{E63AC40E-004A-497A-8CCA-D97E51274A67}" srcOrd="0" destOrd="0" presId="urn:microsoft.com/office/officeart/2005/8/layout/hierarchy5"/>
+    <dgm:cxn modelId="{94EAD5B1-FFA4-4B59-B296-8FA663924EA8}" type="presOf" srcId="{52FF6DC3-7EDD-4988-AAB1-4E9195D19F58}" destId="{FF182C8F-49EA-4969-9B7D-101478AF2ECB}" srcOrd="1" destOrd="0" presId="urn:microsoft.com/office/officeart/2005/8/layout/hierarchy5"/>
     <dgm:cxn modelId="{F8413201-6660-44EE-AAAF-D7869738355D}" type="presOf" srcId="{D40641AB-C226-4C29-8D62-6A99CC061BEA}" destId="{5767E419-0F48-472F-892F-98D04D1CB240}" srcOrd="1" destOrd="0" presId="urn:microsoft.com/office/officeart/2005/8/layout/hierarchy5"/>
+    <dgm:cxn modelId="{C3144B21-E312-42C7-BAEF-B9B2DC1991CC}" type="presOf" srcId="{950B76B0-1707-4EFE-9999-56C3D7F536DB}" destId="{5E5ABFAF-4677-4A74-92E8-AC2D7972A232}" srcOrd="1" destOrd="0" presId="urn:microsoft.com/office/officeart/2005/8/layout/hierarchy5"/>
+    <dgm:cxn modelId="{89977277-956E-4617-A627-73E3F1F10B92}" type="presOf" srcId="{D7607EF0-FA29-4E03-828A-8D529BB15B7F}" destId="{9CC585BC-9A42-4147-9BF2-DF64A43F45B9}" srcOrd="1" destOrd="0" presId="urn:microsoft.com/office/officeart/2005/8/layout/hierarchy5"/>
+    <dgm:cxn modelId="{75A27B7A-CFC5-4C84-81C2-314962FFD23C}" type="presOf" srcId="{B2C41CC9-426E-4C36-97EB-27B3A0AF341F}" destId="{F42A628A-D0B1-4A47-A240-BC8EC41B7C5A}" srcOrd="1" destOrd="0" presId="urn:microsoft.com/office/officeart/2005/8/layout/hierarchy5"/>
+    <dgm:cxn modelId="{33D6043F-F026-43AA-A3ED-5832A4930471}" srcId="{CFFEDD38-F688-4952-B836-33FA05DDB5B8}" destId="{21B1C583-832F-45E3-B4F6-3002CFBCA685}" srcOrd="1" destOrd="0" parTransId="{FF23CB23-3C20-4ABD-B9D6-9CE7CD212753}" sibTransId="{4D7FBE80-6D82-4F27-A0DD-4909C7F071A6}"/>
+    <dgm:cxn modelId="{01D92716-251A-41B9-8665-889869B00987}" srcId="{9BCEFB5C-E2BB-48E2-B998-695E77152CF1}" destId="{1B23D846-B67C-4F3D-A6BC-12A7390838BF}" srcOrd="0" destOrd="0" parTransId="{B667156B-C8D9-4818-88F2-24208C989CEC}" sibTransId="{10B4F769-FE6B-40E7-A048-55A7B5B56DBF}"/>
+    <dgm:cxn modelId="{1D389E69-6918-4B36-A52F-8ABDFEE79B49}" srcId="{08AAB7DC-521E-4BE6-B730-BDD7F5A253B2}" destId="{2DEF6E63-5ED4-41BA-B004-47ED6321E897}" srcOrd="0" destOrd="0" parTransId="{D40641AB-C226-4C29-8D62-6A99CC061BEA}" sibTransId="{1F2286E0-FE79-4910-B6C4-FCDF2E9ABCDC}"/>
     <dgm:cxn modelId="{A4CB8307-79E4-4146-B738-BDEA8B564FBD}" type="presOf" srcId="{FCFB82E4-231B-465A-98B9-2BF9DDDAD80C}" destId="{4ADDF2CC-33FE-4679-B662-6BA5D1C398CE}" srcOrd="0" destOrd="0" presId="urn:microsoft.com/office/officeart/2005/8/layout/hierarchy5"/>
-    <dgm:cxn modelId="{9E694608-7F79-483B-A89D-7E0CDDA95365}" type="presOf" srcId="{41EE3F82-64A4-40E8-87BD-63D0C6EB718A}" destId="{371B6F65-AB0C-436D-930B-6E7FF0264EB0}" srcOrd="0" destOrd="0" presId="urn:microsoft.com/office/officeart/2005/8/layout/hierarchy5"/>
+    <dgm:cxn modelId="{4A38C77E-01A1-479D-9B25-E0B2F116C1E9}" type="presOf" srcId="{CFFEDD38-F688-4952-B836-33FA05DDB5B8}" destId="{5EA87D37-0670-4DEE-9FD4-FAC995DFD364}" srcOrd="0" destOrd="0" presId="urn:microsoft.com/office/officeart/2005/8/layout/hierarchy5"/>
+    <dgm:cxn modelId="{D96A3A67-D1FE-44F6-B45C-58FF633297A5}" type="presOf" srcId="{275AE58B-D542-4CFE-A551-54890738FC2E}" destId="{B6820CF3-2F9D-405E-A8BE-4C9AB4F439E1}" srcOrd="0" destOrd="0" presId="urn:microsoft.com/office/officeart/2005/8/layout/hierarchy5"/>
+    <dgm:cxn modelId="{976DCC3F-DB06-4957-B53C-33C2F53510C1}" type="presOf" srcId="{6AA62AD8-6A70-417A-B40F-DB10BD9B0ECF}" destId="{D5CF7996-C4FA-4F03-A7EB-C6EBE1B77326}" srcOrd="0" destOrd="0" presId="urn:microsoft.com/office/officeart/2005/8/layout/hierarchy5"/>
+    <dgm:cxn modelId="{03E1DCE0-FE12-4742-AC8C-DC614D68BD0C}" type="presOf" srcId="{797ECDAE-0363-43FB-B954-A2E9E0D6E0DD}" destId="{9564E0D4-B3EA-4E94-A8EE-3A94054DECE0}" srcOrd="1" destOrd="0" presId="urn:microsoft.com/office/officeart/2005/8/layout/hierarchy5"/>
+    <dgm:cxn modelId="{1926294D-7887-4C31-AC7F-9B7FBAA706F0}" srcId="{5782410D-A89A-4BED-B774-41E9DAA58738}" destId="{9BCEFB5C-E2BB-48E2-B998-695E77152CF1}" srcOrd="0" destOrd="0" parTransId="{7F683329-16FB-46F2-8682-58951852882A}" sibTransId="{29FDE374-CB72-4636-9143-5905E8E8D8CB}"/>
+    <dgm:cxn modelId="{B9B4A7C2-C651-46C8-A802-6D0E728018C9}" srcId="{CFFEDD38-F688-4952-B836-33FA05DDB5B8}" destId="{52FF6DC3-7EDD-4988-AAB1-4E9195D19F58}" srcOrd="3" destOrd="0" parTransId="{CF6AB8FB-5ED5-40C2-A766-FBD87E8BE128}" sibTransId="{31CF86A5-1146-432E-BD64-928298B1871E}"/>
+    <dgm:cxn modelId="{69CCE91E-22C2-494A-8094-4135025AF216}" srcId="{F66E53F8-D6FB-4257-8D22-2C44362282A4}" destId="{41EE3F82-64A4-40E8-87BD-63D0C6EB718A}" srcOrd="0" destOrd="0" parTransId="{950B76B0-1707-4EFE-9999-56C3D7F536DB}" sibTransId="{162EF521-E4C9-4EE7-8CC9-AAB9EEDAA630}"/>
+    <dgm:cxn modelId="{C1F4FC80-9ABF-4D7B-AE9C-1F927C674D48}" type="presOf" srcId="{1B23D846-B67C-4F3D-A6BC-12A7390838BF}" destId="{BCB26A2F-2B4D-4A30-AAA9-A8820AEBDDC3}" srcOrd="0" destOrd="0" presId="urn:microsoft.com/office/officeart/2005/8/layout/hierarchy5"/>
+    <dgm:cxn modelId="{D595C587-9CE3-44B3-8F6D-FE8D3BD8BCF5}" type="presOf" srcId="{FCFB82E4-231B-465A-98B9-2BF9DDDAD80C}" destId="{25C1CDD1-0F34-43FF-9D2A-2C6538946ADE}" srcOrd="1" destOrd="0" presId="urn:microsoft.com/office/officeart/2005/8/layout/hierarchy5"/>
+    <dgm:cxn modelId="{00DFAD3D-9FD9-44D5-AFF9-FC2F1B8605BC}" srcId="{CFFEDD38-F688-4952-B836-33FA05DDB5B8}" destId="{FCFB82E4-231B-465A-98B9-2BF9DDDAD80C}" srcOrd="4" destOrd="0" parTransId="{B8C59226-C07B-4D33-AAF0-413C38DD9FB1}" sibTransId="{DD532F33-29D8-4721-852A-9D71D8B4574C}"/>
+    <dgm:cxn modelId="{A6948A59-7CA5-43FB-BDCF-F3B0C0CF6E01}" type="presOf" srcId="{950B76B0-1707-4EFE-9999-56C3D7F536DB}" destId="{00B20A69-38B7-4EE1-ABFD-56CB6844E991}" srcOrd="0" destOrd="0" presId="urn:microsoft.com/office/officeart/2005/8/layout/hierarchy5"/>
+    <dgm:cxn modelId="{10658FEB-D458-48F9-A8BD-788161899059}" type="presOf" srcId="{7F683329-16FB-46F2-8682-58951852882A}" destId="{64A14A64-BB43-434C-8BEA-A0D9053420D4}" srcOrd="1" destOrd="0" presId="urn:microsoft.com/office/officeart/2005/8/layout/hierarchy5"/>
+    <dgm:cxn modelId="{64108939-D8EF-4946-88DA-F102BF68E5D1}" type="presOf" srcId="{8C244FC0-B771-4277-9EB9-744A18A0393F}" destId="{4F100A3D-AFE9-4E14-A6C4-F122C00FD2B6}" srcOrd="0" destOrd="0" presId="urn:microsoft.com/office/officeart/2005/8/layout/hierarchy5"/>
+    <dgm:cxn modelId="{779E8037-D0ED-4FB5-A793-7466554299E1}" type="presOf" srcId="{F66E53F8-D6FB-4257-8D22-2C44362282A4}" destId="{E072308B-D8AC-447B-80AA-A2BC7469DE0E}" srcOrd="0" destOrd="0" presId="urn:microsoft.com/office/officeart/2005/8/layout/hierarchy5"/>
     <dgm:cxn modelId="{A8529A14-60B3-4B38-A86A-D0405B38C776}" type="presOf" srcId="{103F5BD0-AC46-403F-9E45-E3A5AD0ADAD3}" destId="{E7ED9711-7CEB-4535-8412-6030FB3E4C4D}" srcOrd="0" destOrd="0" presId="urn:microsoft.com/office/officeart/2005/8/layout/hierarchy5"/>
-    <dgm:cxn modelId="{01D92716-251A-41B9-8665-889869B00987}" srcId="{9BCEFB5C-E2BB-48E2-B998-695E77152CF1}" destId="{1B23D846-B67C-4F3D-A6BC-12A7390838BF}" srcOrd="0" destOrd="0" parTransId="{B667156B-C8D9-4818-88F2-24208C989CEC}" sibTransId="{10B4F769-FE6B-40E7-A048-55A7B5B56DBF}"/>
-    <dgm:cxn modelId="{6A33591C-DEDB-463C-BEB2-98AD4509EA3E}" srcId="{CFFEDD38-F688-4952-B836-33FA05DDB5B8}" destId="{797ECDAE-0363-43FB-B954-A2E9E0D6E0DD}" srcOrd="2" destOrd="0" parTransId="{AFC5C353-8BAB-4308-96A9-8E4F96452E52}" sibTransId="{AFCEA226-D409-493C-B372-5BE204360A7D}"/>
-    <dgm:cxn modelId="{69CCE91E-22C2-494A-8094-4135025AF216}" srcId="{F66E53F8-D6FB-4257-8D22-2C44362282A4}" destId="{41EE3F82-64A4-40E8-87BD-63D0C6EB718A}" srcOrd="0" destOrd="0" parTransId="{950B76B0-1707-4EFE-9999-56C3D7F536DB}" sibTransId="{162EF521-E4C9-4EE7-8CC9-AAB9EEDAA630}"/>
-    <dgm:cxn modelId="{028E231F-5DFE-4977-8EA9-011A375B7B57}" type="presOf" srcId="{D7607EF0-FA29-4E03-828A-8D529BB15B7F}" destId="{EBF49791-BFDC-444E-A778-72488B934938}" srcOrd="0" destOrd="0" presId="urn:microsoft.com/office/officeart/2005/8/layout/hierarchy5"/>
-    <dgm:cxn modelId="{C3144B21-E312-42C7-BAEF-B9B2DC1991CC}" type="presOf" srcId="{950B76B0-1707-4EFE-9999-56C3D7F536DB}" destId="{5E5ABFAF-4677-4A74-92E8-AC2D7972A232}" srcOrd="1" destOrd="0" presId="urn:microsoft.com/office/officeart/2005/8/layout/hierarchy5"/>
-    <dgm:cxn modelId="{98707221-EBD1-40EB-8BA0-D1438E5F76BE}" srcId="{CFFEDD38-F688-4952-B836-33FA05DDB5B8}" destId="{E12F4BF5-2F1C-4217-879A-8285E37900DF}" srcOrd="6" destOrd="0" parTransId="{443B9D68-840B-4725-94D6-0CC37FC480D1}" sibTransId="{71EFEBA1-4996-4976-B146-2A805E9A9BA5}"/>
-    <dgm:cxn modelId="{A487F326-FCF9-4954-A6F2-149FAA547662}" type="presOf" srcId="{5F535BFC-4DA7-4D7D-AB2B-D1F2BD12BB30}" destId="{FB88FE67-2F15-4D08-ACAE-80E39397F34B}" srcOrd="1" destOrd="0" presId="urn:microsoft.com/office/officeart/2005/8/layout/hierarchy5"/>
-    <dgm:cxn modelId="{8B075B2D-9B1C-424B-9B72-805992447A83}" srcId="{CFFEDD38-F688-4952-B836-33FA05DDB5B8}" destId="{08AAB7DC-521E-4BE6-B730-BDD7F5A253B2}" srcOrd="0" destOrd="0" parTransId="{9E9A6CE4-6DAE-41A8-880E-F730A68F525D}" sibTransId="{50793557-0FDF-496C-9304-7E66377A7F89}"/>
-    <dgm:cxn modelId="{C24CF12D-5D27-4BAD-B442-D7A244B1F54C}" type="presOf" srcId="{D40641AB-C226-4C29-8D62-6A99CC061BEA}" destId="{1A25E02E-86C4-4E08-B12B-CF6ADC0FEEF6}" srcOrd="0" destOrd="0" presId="urn:microsoft.com/office/officeart/2005/8/layout/hierarchy5"/>
-    <dgm:cxn modelId="{779E8037-D0ED-4FB5-A793-7466554299E1}" type="presOf" srcId="{F66E53F8-D6FB-4257-8D22-2C44362282A4}" destId="{E072308B-D8AC-447B-80AA-A2BC7469DE0E}" srcOrd="0" destOrd="0" presId="urn:microsoft.com/office/officeart/2005/8/layout/hierarchy5"/>
-    <dgm:cxn modelId="{B6619E38-6403-4BED-8434-C799BBAED5D7}" srcId="{08AAB7DC-521E-4BE6-B730-BDD7F5A253B2}" destId="{D57B3C15-0D5C-4560-A9E9-76CCAE03D57B}" srcOrd="3" destOrd="0" parTransId="{DDEC643A-0BB3-4906-9970-715C2BA527CE}" sibTransId="{18321A04-D3F3-4850-9631-AA906ACCA872}"/>
-    <dgm:cxn modelId="{64108939-D8EF-4946-88DA-F102BF68E5D1}" type="presOf" srcId="{8C244FC0-B771-4277-9EB9-744A18A0393F}" destId="{4F100A3D-AFE9-4E14-A6C4-F122C00FD2B6}" srcOrd="0" destOrd="0" presId="urn:microsoft.com/office/officeart/2005/8/layout/hierarchy5"/>
-    <dgm:cxn modelId="{00DFAD3D-9FD9-44D5-AFF9-FC2F1B8605BC}" srcId="{CFFEDD38-F688-4952-B836-33FA05DDB5B8}" destId="{FCFB82E4-231B-465A-98B9-2BF9DDDAD80C}" srcOrd="4" destOrd="0" parTransId="{B8C59226-C07B-4D33-AAF0-413C38DD9FB1}" sibTransId="{DD532F33-29D8-4721-852A-9D71D8B4574C}"/>
-    <dgm:cxn modelId="{33D6043F-F026-43AA-A3ED-5832A4930471}" srcId="{CFFEDD38-F688-4952-B836-33FA05DDB5B8}" destId="{21B1C583-832F-45E3-B4F6-3002CFBCA685}" srcOrd="1" destOrd="0" parTransId="{FF23CB23-3C20-4ABD-B9D6-9CE7CD212753}" sibTransId="{4D7FBE80-6D82-4F27-A0DD-4909C7F071A6}"/>
-    <dgm:cxn modelId="{976DCC3F-DB06-4957-B53C-33C2F53510C1}" type="presOf" srcId="{6AA62AD8-6A70-417A-B40F-DB10BD9B0ECF}" destId="{D5CF7996-C4FA-4F03-A7EB-C6EBE1B77326}" srcOrd="0" destOrd="0" presId="urn:microsoft.com/office/officeart/2005/8/layout/hierarchy5"/>
-    <dgm:cxn modelId="{32015B62-0D35-4988-A0B6-CDCDB701D6F2}" type="presOf" srcId="{430BF8A6-B25F-4678-9DD8-EAB890C5C451}" destId="{E7F68C47-CADE-497C-868C-783777FCA2E8}" srcOrd="1" destOrd="0" presId="urn:microsoft.com/office/officeart/2005/8/layout/hierarchy5"/>
-    <dgm:cxn modelId="{B0E06F46-67B1-4FCF-933D-F5AB93C1B4D7}" srcId="{08AAB7DC-521E-4BE6-B730-BDD7F5A253B2}" destId="{275AE58B-D542-4CFE-A551-54890738FC2E}" srcOrd="2" destOrd="0" parTransId="{D7607EF0-FA29-4E03-828A-8D529BB15B7F}" sibTransId="{A2F8999A-84AD-47D0-9FC5-C623A4CB7BB3}"/>
-    <dgm:cxn modelId="{D96A3A67-D1FE-44F6-B45C-58FF633297A5}" type="presOf" srcId="{275AE58B-D542-4CFE-A551-54890738FC2E}" destId="{B6820CF3-2F9D-405E-A8BE-4C9AB4F439E1}" srcOrd="0" destOrd="0" presId="urn:microsoft.com/office/officeart/2005/8/layout/hierarchy5"/>
-    <dgm:cxn modelId="{1D389E69-6918-4B36-A52F-8ABDFEE79B49}" srcId="{08AAB7DC-521E-4BE6-B730-BDD7F5A253B2}" destId="{2DEF6E63-5ED4-41BA-B004-47ED6321E897}" srcOrd="0" destOrd="0" parTransId="{D40641AB-C226-4C29-8D62-6A99CC061BEA}" sibTransId="{1F2286E0-FE79-4910-B6C4-FCDF2E9ABCDC}"/>
-    <dgm:cxn modelId="{6EA70D4B-F9D4-4875-8D87-244314C5AE2F}" type="presOf" srcId="{7F683329-16FB-46F2-8682-58951852882A}" destId="{B2BBF248-DFE6-4BBB-9A54-07C576CF5D22}" srcOrd="0" destOrd="0" presId="urn:microsoft.com/office/officeart/2005/8/layout/hierarchy5"/>
-    <dgm:cxn modelId="{1926294D-7887-4C31-AC7F-9B7FBAA706F0}" srcId="{5782410D-A89A-4BED-B774-41E9DAA58738}" destId="{9BCEFB5C-E2BB-48E2-B998-695E77152CF1}" srcOrd="0" destOrd="0" parTransId="{7F683329-16FB-46F2-8682-58951852882A}" sibTransId="{29FDE374-CB72-4636-9143-5905E8E8D8CB}"/>
     <dgm:cxn modelId="{C0144770-8095-4832-8FC7-65846AA302EE}" type="presOf" srcId="{B667156B-C8D9-4818-88F2-24208C989CEC}" destId="{698E46A5-465E-4592-8CC4-4DD362EC5A70}" srcOrd="1" destOrd="0" presId="urn:microsoft.com/office/officeart/2005/8/layout/hierarchy5"/>
-    <dgm:cxn modelId="{BE9BAB52-8AFE-44E1-8758-A36C3D7F251C}" type="presOf" srcId="{E12F4BF5-2F1C-4217-879A-8285E37900DF}" destId="{F22AF2A4-2654-4B82-9EAA-88690221850C}" srcOrd="0" destOrd="0" presId="urn:microsoft.com/office/officeart/2005/8/layout/hierarchy5"/>
-    <dgm:cxn modelId="{A85B5053-AA5D-46AE-8924-557190CC104C}" type="presOf" srcId="{1578236F-1DF5-4050-B7FF-404CDD94B6EA}" destId="{A6291B99-E48D-48F1-BC78-6A7E93774A5A}" srcOrd="0" destOrd="0" presId="urn:microsoft.com/office/officeart/2005/8/layout/hierarchy5"/>
-    <dgm:cxn modelId="{1BD75E55-33FA-4463-9D54-8C7B4F5D574B}" srcId="{41EE3F82-64A4-40E8-87BD-63D0C6EB718A}" destId="{5782410D-A89A-4BED-B774-41E9DAA58738}" srcOrd="0" destOrd="0" parTransId="{1578236F-1DF5-4050-B7FF-404CDD94B6EA}" sibTransId="{C69D9037-CF31-458A-9DCD-72F3CF7F23E5}"/>
-    <dgm:cxn modelId="{89977277-956E-4617-A627-73E3F1F10B92}" type="presOf" srcId="{D7607EF0-FA29-4E03-828A-8D529BB15B7F}" destId="{9CC585BC-9A42-4147-9BF2-DF64A43F45B9}" srcOrd="1" destOrd="0" presId="urn:microsoft.com/office/officeart/2005/8/layout/hierarchy5"/>
-    <dgm:cxn modelId="{6443CE78-E714-49D7-863C-FE6783287668}" type="presOf" srcId="{5F535BFC-4DA7-4D7D-AB2B-D1F2BD12BB30}" destId="{1883FE3A-CA21-48D0-A16F-3BB15763B34D}" srcOrd="0" destOrd="0" presId="urn:microsoft.com/office/officeart/2005/8/layout/hierarchy5"/>
-    <dgm:cxn modelId="{A6948A59-7CA5-43FB-BDCF-F3B0C0CF6E01}" type="presOf" srcId="{950B76B0-1707-4EFE-9999-56C3D7F536DB}" destId="{00B20A69-38B7-4EE1-ABFD-56CB6844E991}" srcOrd="0" destOrd="0" presId="urn:microsoft.com/office/officeart/2005/8/layout/hierarchy5"/>
-    <dgm:cxn modelId="{75A27B7A-CFC5-4C84-81C2-314962FFD23C}" type="presOf" srcId="{B2C41CC9-426E-4C36-97EB-27B3A0AF341F}" destId="{F42A628A-D0B1-4A47-A240-BC8EC41B7C5A}" srcOrd="1" destOrd="0" presId="urn:microsoft.com/office/officeart/2005/8/layout/hierarchy5"/>
-    <dgm:cxn modelId="{4A38C77E-01A1-479D-9B25-E0B2F116C1E9}" type="presOf" srcId="{CFFEDD38-F688-4952-B836-33FA05DDB5B8}" destId="{5EA87D37-0670-4DEE-9FD4-FAC995DFD364}" srcOrd="0" destOrd="0" presId="urn:microsoft.com/office/officeart/2005/8/layout/hierarchy5"/>
     <dgm:cxn modelId="{515B2D7F-545A-4597-A65C-D87C4C1E1B1F}" type="presOf" srcId="{6AA62AD8-6A70-417A-B40F-DB10BD9B0ECF}" destId="{6FE53345-FB65-49ED-AA27-9D21D966EC3C}" srcOrd="1" destOrd="0" presId="urn:microsoft.com/office/officeart/2005/8/layout/hierarchy5"/>
-    <dgm:cxn modelId="{883CBD7F-617B-4926-903F-78A8BC3EB5D5}" type="presOf" srcId="{3FDB4766-8759-4C74-BE59-56A54712B3F6}" destId="{095FA012-BDA1-4CE8-85DB-D001DC3A5E12}" srcOrd="1" destOrd="0" presId="urn:microsoft.com/office/officeart/2005/8/layout/hierarchy5"/>
-    <dgm:cxn modelId="{C1F4FC80-9ABF-4D7B-AE9C-1F927C674D48}" type="presOf" srcId="{1B23D846-B67C-4F3D-A6BC-12A7390838BF}" destId="{BCB26A2F-2B4D-4A30-AAA9-A8820AEBDDC3}" srcOrd="0" destOrd="0" presId="urn:microsoft.com/office/officeart/2005/8/layout/hierarchy5"/>
-    <dgm:cxn modelId="{C5057685-D3A4-44C3-AB06-69EBEA941E98}" type="presOf" srcId="{DDEC643A-0BB3-4906-9970-715C2BA527CE}" destId="{2B5FE727-AD65-4B3A-AC1D-C1865476E720}" srcOrd="0" destOrd="0" presId="urn:microsoft.com/office/officeart/2005/8/layout/hierarchy5"/>
-    <dgm:cxn modelId="{D595C587-9CE3-44B3-8F6D-FE8D3BD8BCF5}" type="presOf" srcId="{FCFB82E4-231B-465A-98B9-2BF9DDDAD80C}" destId="{25C1CDD1-0F34-43FF-9D2A-2C6538946ADE}" srcOrd="1" destOrd="0" presId="urn:microsoft.com/office/officeart/2005/8/layout/hierarchy5"/>
-    <dgm:cxn modelId="{04D0958F-DE08-42DC-8E48-6A5C69E58B3D}" type="presOf" srcId="{3FDB4766-8759-4C74-BE59-56A54712B3F6}" destId="{76E2BFBA-0E77-4B32-87ED-24E4F498DBAF}" srcOrd="0" destOrd="0" presId="urn:microsoft.com/office/officeart/2005/8/layout/hierarchy5"/>
-    <dgm:cxn modelId="{E75EB491-BBAF-44EA-8DCF-EFE5BC0CFB02}" type="presOf" srcId="{430BF8A6-B25F-4678-9DD8-EAB890C5C451}" destId="{FBE489D0-4F42-4E7E-BEEE-8985FCC77F60}" srcOrd="0" destOrd="0" presId="urn:microsoft.com/office/officeart/2005/8/layout/hierarchy5"/>
-    <dgm:cxn modelId="{32E26193-E0CF-43F8-B877-62F78D38027E}" type="presOf" srcId="{08AAB7DC-521E-4BE6-B730-BDD7F5A253B2}" destId="{33B92B92-FDC1-4F9F-BFA7-271786560C8E}" srcOrd="0" destOrd="0" presId="urn:microsoft.com/office/officeart/2005/8/layout/hierarchy5"/>
-    <dgm:cxn modelId="{D2587AA0-491E-420C-BD72-74A21DDAA9E6}" srcId="{D57B3C15-0D5C-4560-A9E9-76CCAE03D57B}" destId="{8C244FC0-B771-4277-9EB9-744A18A0393F}" srcOrd="0" destOrd="0" parTransId="{B2C41CC9-426E-4C36-97EB-27B3A0AF341F}" sibTransId="{8134FF91-D528-425E-A675-6410A5AFDDF5}"/>
-    <dgm:cxn modelId="{9768AEAE-60FC-4BC6-982A-DAAE8212034F}" type="presOf" srcId="{797ECDAE-0363-43FB-B954-A2E9E0D6E0DD}" destId="{F2BF1ADC-5185-41EF-9ADC-4215717A4086}" srcOrd="0" destOrd="0" presId="urn:microsoft.com/office/officeart/2005/8/layout/hierarchy5"/>
-    <dgm:cxn modelId="{94EAD5B1-FFA4-4B59-B296-8FA663924EA8}" type="presOf" srcId="{52FF6DC3-7EDD-4988-AAB1-4E9195D19F58}" destId="{FF182C8F-49EA-4969-9B7D-101478AF2ECB}" srcOrd="1" destOrd="0" presId="urn:microsoft.com/office/officeart/2005/8/layout/hierarchy5"/>
-    <dgm:cxn modelId="{B051ABB5-2714-45E3-B747-F150ED0BED34}" type="presOf" srcId="{E12F4BF5-2F1C-4217-879A-8285E37900DF}" destId="{4B568D6A-0AE5-4109-B021-7377D84AAD10}" srcOrd="1" destOrd="0" presId="urn:microsoft.com/office/officeart/2005/8/layout/hierarchy5"/>
-    <dgm:cxn modelId="{E3606BB6-C9B7-4860-8CF7-E3FB4E359D30}" type="presOf" srcId="{D57B3C15-0D5C-4560-A9E9-76CCAE03D57B}" destId="{57779EBC-E909-4FFE-B23A-3CF4EC0216ED}" srcOrd="0" destOrd="0" presId="urn:microsoft.com/office/officeart/2005/8/layout/hierarchy5"/>
-    <dgm:cxn modelId="{11970FBF-C8D4-4E45-BCAF-B099DCE95AA4}" type="presOf" srcId="{B667156B-C8D9-4818-88F2-24208C989CEC}" destId="{72890E24-56A3-4DCA-B2C5-757F5845B3D3}" srcOrd="0" destOrd="0" presId="urn:microsoft.com/office/officeart/2005/8/layout/hierarchy5"/>
-    <dgm:cxn modelId="{612CAEBF-4A48-413C-B595-7EED5135B7CE}" type="presOf" srcId="{DDEC643A-0BB3-4906-9970-715C2BA527CE}" destId="{52ECA572-CF53-4ED8-BCA1-A374089D63A2}" srcOrd="1" destOrd="0" presId="urn:microsoft.com/office/officeart/2005/8/layout/hierarchy5"/>
-    <dgm:cxn modelId="{B9B4A7C2-C651-46C8-A802-6D0E728018C9}" srcId="{CFFEDD38-F688-4952-B836-33FA05DDB5B8}" destId="{52FF6DC3-7EDD-4988-AAB1-4E9195D19F58}" srcOrd="3" destOrd="0" parTransId="{CF6AB8FB-5ED5-40C2-A766-FBD87E8BE128}" sibTransId="{31CF86A5-1146-432E-BD64-928298B1871E}"/>
-    <dgm:cxn modelId="{A67075C8-34A5-4DAD-B56D-CAC03B3B92E5}" srcId="{08AAB7DC-521E-4BE6-B730-BDD7F5A253B2}" destId="{F66E53F8-D6FB-4257-8D22-2C44362282A4}" srcOrd="1" destOrd="0" parTransId="{6AA62AD8-6A70-417A-B40F-DB10BD9B0ECF}" sibTransId="{B022AFF4-D716-442F-A63A-4538ED128412}"/>
-    <dgm:cxn modelId="{C5F27EC9-AC27-4909-B4AB-CBCCCF9CAC20}" srcId="{275AE58B-D542-4CFE-A551-54890738FC2E}" destId="{103F5BD0-AC46-403F-9E45-E3A5AD0ADAD3}" srcOrd="0" destOrd="0" parTransId="{3FDB4766-8759-4C74-BE59-56A54712B3F6}" sibTransId="{4E4BDDA3-B8A9-4E3E-9D78-E4F4C9D829C4}"/>
-    <dgm:cxn modelId="{3FC52ECC-F50E-4841-9B36-E64E04E85AEC}" type="presOf" srcId="{5782410D-A89A-4BED-B774-41E9DAA58738}" destId="{D7F01C6D-73B3-4619-B3C5-BEB1E72A56B9}" srcOrd="0" destOrd="0" presId="urn:microsoft.com/office/officeart/2005/8/layout/hierarchy5"/>
-    <dgm:cxn modelId="{A542BED9-50A5-4F70-944C-FCB12FE4CB71}" type="presOf" srcId="{B2C41CC9-426E-4C36-97EB-27B3A0AF341F}" destId="{0EA5EF79-B8D0-4BE2-8F94-1DD44DE6B5A1}" srcOrd="0" destOrd="0" presId="urn:microsoft.com/office/officeart/2005/8/layout/hierarchy5"/>
-    <dgm:cxn modelId="{0DAF56DB-9BBC-428E-B581-30D3B3354B18}" type="presOf" srcId="{21B1C583-832F-45E3-B4F6-3002CFBCA685}" destId="{5ACE7AAA-5D2C-4367-81C8-622108E11072}" srcOrd="1" destOrd="0" presId="urn:microsoft.com/office/officeart/2005/8/layout/hierarchy5"/>
-    <dgm:cxn modelId="{CC80C0DE-AC49-44A0-B471-D5DA86FC9DAA}" type="presOf" srcId="{2DEF6E63-5ED4-41BA-B004-47ED6321E897}" destId="{E63AC40E-004A-497A-8CCA-D97E51274A67}" srcOrd="0" destOrd="0" presId="urn:microsoft.com/office/officeart/2005/8/layout/hierarchy5"/>
-    <dgm:cxn modelId="{03E1DCE0-FE12-4742-AC8C-DC614D68BD0C}" type="presOf" srcId="{797ECDAE-0363-43FB-B954-A2E9E0D6E0DD}" destId="{9564E0D4-B3EA-4E94-A8EE-3A94054DECE0}" srcOrd="1" destOrd="0" presId="urn:microsoft.com/office/officeart/2005/8/layout/hierarchy5"/>
-    <dgm:cxn modelId="{9CBE6FE2-6D1E-4C48-837C-80483B45CDF7}" srcId="{CFFEDD38-F688-4952-B836-33FA05DDB5B8}" destId="{5F535BFC-4DA7-4D7D-AB2B-D1F2BD12BB30}" srcOrd="5" destOrd="0" parTransId="{BCE16DCC-739C-4A7B-9726-46D57BDE19A4}" sibTransId="{E500015B-74AB-4845-88CA-67979A1C92FF}"/>
-    <dgm:cxn modelId="{259DD8E5-AE9E-4BA3-8EAE-632143C9E006}" type="presOf" srcId="{52FF6DC3-7EDD-4988-AAB1-4E9195D19F58}" destId="{F9AA58D9-4967-4204-95C8-7B9FEC1B399C}" srcOrd="0" destOrd="0" presId="urn:microsoft.com/office/officeart/2005/8/layout/hierarchy5"/>
-    <dgm:cxn modelId="{151099E8-7578-4BFE-B227-0441E168E0A0}" type="presOf" srcId="{5319D49B-A489-470C-84A5-E367B6684990}" destId="{451526E4-081A-4918-86C6-0CD601C20B06}" srcOrd="0" destOrd="0" presId="urn:microsoft.com/office/officeart/2005/8/layout/hierarchy5"/>
-    <dgm:cxn modelId="{10658FEB-D458-48F9-A8BD-788161899059}" type="presOf" srcId="{7F683329-16FB-46F2-8682-58951852882A}" destId="{64A14A64-BB43-434C-8BEA-A0D9053420D4}" srcOrd="1" destOrd="0" presId="urn:microsoft.com/office/officeart/2005/8/layout/hierarchy5"/>
-    <dgm:cxn modelId="{BDF3EBED-C9C9-44D2-A772-C5B383A0E69E}" type="presOf" srcId="{1578236F-1DF5-4050-B7FF-404CDD94B6EA}" destId="{4E958653-7BA4-4A67-B3A8-76414DDAB569}" srcOrd="1" destOrd="0" presId="urn:microsoft.com/office/officeart/2005/8/layout/hierarchy5"/>
     <dgm:cxn modelId="{852CC9F0-13F4-4BB2-8737-B31F474CF87C}" srcId="{2DEF6E63-5ED4-41BA-B004-47ED6321E897}" destId="{5319D49B-A489-470C-84A5-E367B6684990}" srcOrd="0" destOrd="0" parTransId="{430BF8A6-B25F-4678-9DD8-EAB890C5C451}" sibTransId="{873E2F4F-D71A-47CE-889E-E9CDA58826FC}"/>
-    <dgm:cxn modelId="{5C0039F5-17DA-4C3E-B2A6-80B74D99DB5E}" type="presOf" srcId="{21B1C583-832F-45E3-B4F6-3002CFBCA685}" destId="{C4E64EA5-472F-491E-AAAD-15137006683A}" srcOrd="0" destOrd="0" presId="urn:microsoft.com/office/officeart/2005/8/layout/hierarchy5"/>
-    <dgm:cxn modelId="{D3474CFF-BB9A-402A-A672-83C207DB60BC}" type="presOf" srcId="{9BCEFB5C-E2BB-48E2-B998-695E77152CF1}" destId="{A1F829AC-A09A-4233-9BA2-D9B5209FB0AF}" srcOrd="0" destOrd="0" presId="urn:microsoft.com/office/officeart/2005/8/layout/hierarchy5"/>
     <dgm:cxn modelId="{BA1A1868-1203-45E9-AAC7-FA31D0A845A1}" type="presParOf" srcId="{5EA87D37-0670-4DEE-9FD4-FAC995DFD364}" destId="{756D01E9-AA50-4890-BDC1-4AD2D3EA27A3}" srcOrd="0" destOrd="0" presId="urn:microsoft.com/office/officeart/2005/8/layout/hierarchy5"/>
     <dgm:cxn modelId="{C83CC944-3148-4D38-BF51-29F7F67A6C34}" type="presParOf" srcId="{756D01E9-AA50-4890-BDC1-4AD2D3EA27A3}" destId="{D55215D2-89CF-4AF3-A09D-7BB69D826733}" srcOrd="0" destOrd="0" presId="urn:microsoft.com/office/officeart/2005/8/layout/hierarchy5"/>
     <dgm:cxn modelId="{46DD804D-9362-412A-9B80-CA8CD744522D}" type="presParOf" srcId="{756D01E9-AA50-4890-BDC1-4AD2D3EA27A3}" destId="{5A8A7203-B352-433F-962B-BE011671D271}" srcOrd="1" destOrd="0" presId="urn:microsoft.com/office/officeart/2005/8/layout/hierarchy5"/>
@@ -2994,6 +3323,13 @@
         </dgm:presLayoutVars>
       </dgm:prSet>
       <dgm:spPr/>
+      <dgm:t>
+        <a:bodyPr/>
+        <a:lstStyle/>
+        <a:p>
+          <a:endParaRPr lang="de-DE"/>
+        </a:p>
+      </dgm:t>
     </dgm:pt>
     <dgm:pt modelId="{1E3A37C3-CD16-4820-8BE5-8290B13F8D92}" type="pres">
       <dgm:prSet presAssocID="{90B9DEE8-4DD3-45CB-AA67-87FBC7D850A9}" presName="spVertical2" presStyleCnt="0"/>
@@ -3097,7 +3433,7 @@
         </a:bodyPr>
         <a:lstStyle/>
         <a:p>
-          <a:pPr marL="0" lvl="0" indent="0" algn="ctr" defTabSz="488950">
+          <a:pPr lvl="0" algn="ctr" defTabSz="488950">
             <a:lnSpc>
               <a:spcPct val="90000"/>
             </a:lnSpc>
@@ -3107,7 +3443,6 @@
             <a:spcAft>
               <a:spcPct val="35000"/>
             </a:spcAft>
-            <a:buNone/>
           </a:pPr>
           <a:r>
             <a:rPr lang="de-CH" sz="1100" kern="1200" dirty="0"/>
@@ -3168,7 +3503,7 @@
         </a:bodyPr>
         <a:lstStyle/>
         <a:p>
-          <a:pPr marL="0" lvl="0" indent="0" algn="ctr" defTabSz="488950">
+          <a:pPr lvl="0" algn="ctr" defTabSz="488950">
             <a:lnSpc>
               <a:spcPct val="90000"/>
             </a:lnSpc>
@@ -3178,7 +3513,6 @@
             <a:spcAft>
               <a:spcPct val="35000"/>
             </a:spcAft>
-            <a:buNone/>
           </a:pPr>
           <a:r>
             <a:rPr lang="de-CH" sz="1100" kern="1200" dirty="0"/>
@@ -3239,7 +3573,7 @@
         </a:bodyPr>
         <a:lstStyle/>
         <a:p>
-          <a:pPr marL="0" lvl="0" indent="0" algn="ctr" defTabSz="488950">
+          <a:pPr lvl="0" algn="ctr" defTabSz="488950">
             <a:lnSpc>
               <a:spcPct val="90000"/>
             </a:lnSpc>
@@ -3249,7 +3583,6 @@
             <a:spcAft>
               <a:spcPct val="35000"/>
             </a:spcAft>
-            <a:buNone/>
           </a:pPr>
           <a:r>
             <a:rPr lang="de-CH" sz="1100" kern="1200" dirty="0"/>
@@ -3310,7 +3643,7 @@
         </a:bodyPr>
         <a:lstStyle/>
         <a:p>
-          <a:pPr marL="0" lvl="0" indent="0" algn="ctr" defTabSz="488950">
+          <a:pPr lvl="0" algn="ctr" defTabSz="488950">
             <a:lnSpc>
               <a:spcPct val="90000"/>
             </a:lnSpc>
@@ -3320,7 +3653,6 @@
             <a:spcAft>
               <a:spcPct val="35000"/>
             </a:spcAft>
-            <a:buNone/>
           </a:pPr>
           <a:r>
             <a:rPr lang="de-CH" sz="1100" kern="1200" dirty="0"/>
@@ -3381,7 +3713,7 @@
         </a:bodyPr>
         <a:lstStyle/>
         <a:p>
-          <a:pPr marL="0" lvl="0" indent="0" algn="ctr" defTabSz="488950">
+          <a:pPr lvl="0" algn="ctr" defTabSz="488950">
             <a:lnSpc>
               <a:spcPct val="90000"/>
             </a:lnSpc>
@@ -3391,7 +3723,6 @@
             <a:spcAft>
               <a:spcPct val="35000"/>
             </a:spcAft>
-            <a:buNone/>
           </a:pPr>
           <a:r>
             <a:rPr lang="de-CH" sz="1100" kern="1200" dirty="0"/>
@@ -3452,7 +3783,7 @@
         </a:bodyPr>
         <a:lstStyle/>
         <a:p>
-          <a:pPr marL="0" lvl="0" indent="0" algn="ctr" defTabSz="488950">
+          <a:pPr lvl="0" algn="ctr" defTabSz="488950">
             <a:lnSpc>
               <a:spcPct val="90000"/>
             </a:lnSpc>
@@ -3462,7 +3793,6 @@
             <a:spcAft>
               <a:spcPct val="35000"/>
             </a:spcAft>
-            <a:buNone/>
           </a:pPr>
           <a:r>
             <a:rPr lang="de-CH" sz="1100" kern="1200" dirty="0"/>
@@ -3533,7 +3863,7 @@
         </a:bodyPr>
         <a:lstStyle/>
         <a:p>
-          <a:pPr marL="0" lvl="0" indent="0" algn="ctr" defTabSz="1066800">
+          <a:pPr lvl="0" algn="ctr" defTabSz="1066800">
             <a:lnSpc>
               <a:spcPct val="90000"/>
             </a:lnSpc>
@@ -3543,7 +3873,6 @@
             <a:spcAft>
               <a:spcPct val="35000"/>
             </a:spcAft>
-            <a:buNone/>
           </a:pPr>
           <a:r>
             <a:rPr lang="de-CH" sz="2400" kern="1200" dirty="0"/>
@@ -3618,7 +3947,7 @@
         </a:bodyPr>
         <a:lstStyle/>
         <a:p>
-          <a:pPr marL="0" lvl="0" indent="0" algn="ctr" defTabSz="222250">
+          <a:pPr lvl="0" algn="ctr" defTabSz="222250">
             <a:lnSpc>
               <a:spcPct val="90000"/>
             </a:lnSpc>
@@ -3628,7 +3957,6 @@
             <a:spcAft>
               <a:spcPct val="35000"/>
             </a:spcAft>
-            <a:buNone/>
           </a:pPr>
           <a:endParaRPr lang="en-US" sz="500" kern="1200"/>
         </a:p>
@@ -3695,7 +4023,7 @@
         </a:bodyPr>
         <a:lstStyle/>
         <a:p>
-          <a:pPr marL="0" lvl="0" indent="0" algn="ctr" defTabSz="1066800">
+          <a:pPr lvl="0" algn="ctr" defTabSz="1066800">
             <a:lnSpc>
               <a:spcPct val="90000"/>
             </a:lnSpc>
@@ -3705,7 +4033,6 @@
             <a:spcAft>
               <a:spcPct val="35000"/>
             </a:spcAft>
-            <a:buNone/>
           </a:pPr>
           <a:r>
             <a:rPr lang="de-CH" sz="2400" kern="1200" dirty="0"/>
@@ -3780,7 +4107,7 @@
         </a:bodyPr>
         <a:lstStyle/>
         <a:p>
-          <a:pPr marL="0" lvl="0" indent="0" algn="ctr" defTabSz="222250">
+          <a:pPr lvl="0" algn="ctr" defTabSz="222250">
             <a:lnSpc>
               <a:spcPct val="90000"/>
             </a:lnSpc>
@@ -3790,7 +4117,6 @@
             <a:spcAft>
               <a:spcPct val="35000"/>
             </a:spcAft>
-            <a:buNone/>
           </a:pPr>
           <a:endParaRPr lang="en-US" sz="500" kern="1200"/>
         </a:p>
@@ -3857,7 +4183,7 @@
         </a:bodyPr>
         <a:lstStyle/>
         <a:p>
-          <a:pPr marL="0" lvl="0" indent="0" algn="ctr" defTabSz="1066800">
+          <a:pPr lvl="0" algn="ctr" defTabSz="1066800">
             <a:lnSpc>
               <a:spcPct val="90000"/>
             </a:lnSpc>
@@ -3867,7 +4193,6 @@
             <a:spcAft>
               <a:spcPct val="35000"/>
             </a:spcAft>
-            <a:buNone/>
           </a:pPr>
           <a:r>
             <a:rPr lang="de-CH" sz="2400" kern="1200" dirty="0"/>
@@ -3942,7 +4267,7 @@
         </a:bodyPr>
         <a:lstStyle/>
         <a:p>
-          <a:pPr marL="0" lvl="0" indent="0" algn="ctr" defTabSz="222250">
+          <a:pPr lvl="0" algn="ctr" defTabSz="222250">
             <a:lnSpc>
               <a:spcPct val="90000"/>
             </a:lnSpc>
@@ -3952,7 +4277,6 @@
             <a:spcAft>
               <a:spcPct val="35000"/>
             </a:spcAft>
-            <a:buNone/>
           </a:pPr>
           <a:endParaRPr lang="en-US" sz="500" kern="1200"/>
         </a:p>
@@ -4019,7 +4343,7 @@
         </a:bodyPr>
         <a:lstStyle/>
         <a:p>
-          <a:pPr marL="0" lvl="0" indent="0" algn="ctr" defTabSz="1066800">
+          <a:pPr lvl="0" algn="ctr" defTabSz="1066800">
             <a:lnSpc>
               <a:spcPct val="90000"/>
             </a:lnSpc>
@@ -4029,7 +4353,6 @@
             <a:spcAft>
               <a:spcPct val="35000"/>
             </a:spcAft>
-            <a:buNone/>
           </a:pPr>
           <a:r>
             <a:rPr lang="de-CH" sz="2400" kern="1200" dirty="0"/>
@@ -4104,7 +4427,7 @@
         </a:bodyPr>
         <a:lstStyle/>
         <a:p>
-          <a:pPr marL="0" lvl="0" indent="0" algn="ctr" defTabSz="222250">
+          <a:pPr lvl="0" algn="ctr" defTabSz="222250">
             <a:lnSpc>
               <a:spcPct val="90000"/>
             </a:lnSpc>
@@ -4114,7 +4437,6 @@
             <a:spcAft>
               <a:spcPct val="35000"/>
             </a:spcAft>
-            <a:buNone/>
           </a:pPr>
           <a:endParaRPr lang="en-US" sz="500" kern="1200"/>
         </a:p>
@@ -4181,7 +4503,7 @@
         </a:bodyPr>
         <a:lstStyle/>
         <a:p>
-          <a:pPr marL="0" lvl="0" indent="0" algn="ctr" defTabSz="1066800">
+          <a:pPr lvl="0" algn="ctr" defTabSz="1066800">
             <a:lnSpc>
               <a:spcPct val="90000"/>
             </a:lnSpc>
@@ -4191,7 +4513,6 @@
             <a:spcAft>
               <a:spcPct val="35000"/>
             </a:spcAft>
-            <a:buNone/>
           </a:pPr>
           <a:r>
             <a:rPr lang="de-CH" sz="2400" kern="1200" dirty="0"/>
@@ -4266,7 +4587,7 @@
         </a:bodyPr>
         <a:lstStyle/>
         <a:p>
-          <a:pPr marL="0" lvl="0" indent="0" algn="ctr" defTabSz="222250">
+          <a:pPr lvl="0" algn="ctr" defTabSz="222250">
             <a:lnSpc>
               <a:spcPct val="90000"/>
             </a:lnSpc>
@@ -4276,7 +4597,6 @@
             <a:spcAft>
               <a:spcPct val="35000"/>
             </a:spcAft>
-            <a:buNone/>
           </a:pPr>
           <a:endParaRPr lang="en-US" sz="500" kern="1200"/>
         </a:p>
@@ -4343,7 +4663,7 @@
         </a:bodyPr>
         <a:lstStyle/>
         <a:p>
-          <a:pPr marL="0" lvl="0" indent="0" algn="ctr" defTabSz="1066800">
+          <a:pPr lvl="0" algn="ctr" defTabSz="1066800">
             <a:lnSpc>
               <a:spcPct val="90000"/>
             </a:lnSpc>
@@ -4353,7 +4673,6 @@
             <a:spcAft>
               <a:spcPct val="35000"/>
             </a:spcAft>
-            <a:buNone/>
           </a:pPr>
           <a:r>
             <a:rPr lang="de-CH" sz="2400" kern="1200" dirty="0"/>
@@ -4428,7 +4747,7 @@
         </a:bodyPr>
         <a:lstStyle/>
         <a:p>
-          <a:pPr marL="0" lvl="0" indent="0" algn="ctr" defTabSz="222250">
+          <a:pPr lvl="0" algn="ctr" defTabSz="222250">
             <a:lnSpc>
               <a:spcPct val="90000"/>
             </a:lnSpc>
@@ -4438,7 +4757,6 @@
             <a:spcAft>
               <a:spcPct val="35000"/>
             </a:spcAft>
-            <a:buNone/>
           </a:pPr>
           <a:endParaRPr lang="en-US" sz="500" kern="1200"/>
         </a:p>
@@ -4505,7 +4823,7 @@
         </a:bodyPr>
         <a:lstStyle/>
         <a:p>
-          <a:pPr marL="0" lvl="0" indent="0" algn="ctr" defTabSz="1066800">
+          <a:pPr lvl="0" algn="ctr" defTabSz="1066800">
             <a:lnSpc>
               <a:spcPct val="90000"/>
             </a:lnSpc>
@@ -4515,7 +4833,6 @@
             <a:spcAft>
               <a:spcPct val="35000"/>
             </a:spcAft>
-            <a:buNone/>
           </a:pPr>
           <a:r>
             <a:rPr lang="de-CH" sz="2400" kern="1200" dirty="0"/>
@@ -4590,7 +4907,7 @@
         </a:bodyPr>
         <a:lstStyle/>
         <a:p>
-          <a:pPr marL="0" lvl="0" indent="0" algn="ctr" defTabSz="222250">
+          <a:pPr lvl="0" algn="ctr" defTabSz="222250">
             <a:lnSpc>
               <a:spcPct val="90000"/>
             </a:lnSpc>
@@ -4600,7 +4917,6 @@
             <a:spcAft>
               <a:spcPct val="35000"/>
             </a:spcAft>
-            <a:buNone/>
           </a:pPr>
           <a:endParaRPr lang="en-US" sz="500" kern="1200"/>
         </a:p>
@@ -4667,7 +4983,7 @@
         </a:bodyPr>
         <a:lstStyle/>
         <a:p>
-          <a:pPr marL="0" lvl="0" indent="0" algn="ctr" defTabSz="1066800">
+          <a:pPr lvl="0" algn="ctr" defTabSz="1066800">
             <a:lnSpc>
               <a:spcPct val="90000"/>
             </a:lnSpc>
@@ -4677,7 +4993,6 @@
             <a:spcAft>
               <a:spcPct val="35000"/>
             </a:spcAft>
-            <a:buNone/>
           </a:pPr>
           <a:r>
             <a:rPr lang="de-CH" sz="2400" kern="1200" dirty="0"/>
@@ -4752,7 +5067,7 @@
         </a:bodyPr>
         <a:lstStyle/>
         <a:p>
-          <a:pPr marL="0" lvl="0" indent="0" algn="ctr" defTabSz="222250">
+          <a:pPr lvl="0" algn="ctr" defTabSz="222250">
             <a:lnSpc>
               <a:spcPct val="90000"/>
             </a:lnSpc>
@@ -4762,7 +5077,6 @@
             <a:spcAft>
               <a:spcPct val="35000"/>
             </a:spcAft>
-            <a:buNone/>
           </a:pPr>
           <a:endParaRPr lang="en-US" sz="500" kern="1200"/>
         </a:p>
@@ -4829,7 +5143,7 @@
         </a:bodyPr>
         <a:lstStyle/>
         <a:p>
-          <a:pPr marL="0" lvl="0" indent="0" algn="ctr" defTabSz="1066800">
+          <a:pPr lvl="0" algn="ctr" defTabSz="1066800">
             <a:lnSpc>
               <a:spcPct val="90000"/>
             </a:lnSpc>
@@ -4839,7 +5153,6 @@
             <a:spcAft>
               <a:spcPct val="35000"/>
             </a:spcAft>
-            <a:buNone/>
           </a:pPr>
           <a:r>
             <a:rPr lang="de-CH" sz="2400" kern="1200" dirty="0"/>
@@ -4914,7 +5227,7 @@
         </a:bodyPr>
         <a:lstStyle/>
         <a:p>
-          <a:pPr marL="0" lvl="0" indent="0" algn="ctr" defTabSz="222250">
+          <a:pPr lvl="0" algn="ctr" defTabSz="222250">
             <a:lnSpc>
               <a:spcPct val="90000"/>
             </a:lnSpc>
@@ -4924,7 +5237,6 @@
             <a:spcAft>
               <a:spcPct val="35000"/>
             </a:spcAft>
-            <a:buNone/>
           </a:pPr>
           <a:endParaRPr lang="en-US" sz="500" kern="1200"/>
         </a:p>
@@ -4991,7 +5303,7 @@
         </a:bodyPr>
         <a:lstStyle/>
         <a:p>
-          <a:pPr marL="0" lvl="0" indent="0" algn="ctr" defTabSz="1066800">
+          <a:pPr lvl="0" algn="ctr" defTabSz="1066800">
             <a:lnSpc>
               <a:spcPct val="90000"/>
             </a:lnSpc>
@@ -5001,7 +5313,6 @@
             <a:spcAft>
               <a:spcPct val="35000"/>
             </a:spcAft>
-            <a:buNone/>
           </a:pPr>
           <a:r>
             <a:rPr lang="de-CH" sz="2400" kern="1200" dirty="0"/>
@@ -5076,7 +5387,7 @@
         </a:bodyPr>
         <a:lstStyle/>
         <a:p>
-          <a:pPr marL="0" lvl="0" indent="0" algn="ctr" defTabSz="222250">
+          <a:pPr lvl="0" algn="ctr" defTabSz="222250">
             <a:lnSpc>
               <a:spcPct val="90000"/>
             </a:lnSpc>
@@ -5086,7 +5397,6 @@
             <a:spcAft>
               <a:spcPct val="35000"/>
             </a:spcAft>
-            <a:buNone/>
           </a:pPr>
           <a:endParaRPr lang="en-US" sz="500" kern="1200"/>
         </a:p>
@@ -5153,7 +5463,7 @@
         </a:bodyPr>
         <a:lstStyle/>
         <a:p>
-          <a:pPr marL="0" lvl="0" indent="0" algn="ctr" defTabSz="1066800">
+          <a:pPr lvl="0" algn="ctr" defTabSz="1066800">
             <a:lnSpc>
               <a:spcPct val="90000"/>
             </a:lnSpc>
@@ -5163,7 +5473,6 @@
             <a:spcAft>
               <a:spcPct val="35000"/>
             </a:spcAft>
-            <a:buNone/>
           </a:pPr>
           <a:r>
             <a:rPr lang="de-CH" sz="2400" kern="1200" dirty="0"/>
@@ -5238,7 +5547,7 @@
         </a:bodyPr>
         <a:lstStyle/>
         <a:p>
-          <a:pPr marL="0" lvl="0" indent="0" algn="ctr" defTabSz="222250">
+          <a:pPr lvl="0" algn="ctr" defTabSz="222250">
             <a:lnSpc>
               <a:spcPct val="90000"/>
             </a:lnSpc>
@@ -5248,7 +5557,6 @@
             <a:spcAft>
               <a:spcPct val="35000"/>
             </a:spcAft>
-            <a:buNone/>
           </a:pPr>
           <a:endParaRPr lang="en-US" sz="500" kern="1200"/>
         </a:p>
@@ -5315,7 +5623,7 @@
         </a:bodyPr>
         <a:lstStyle/>
         <a:p>
-          <a:pPr marL="0" lvl="0" indent="0" algn="ctr" defTabSz="1066800">
+          <a:pPr lvl="0" algn="ctr" defTabSz="1066800">
             <a:lnSpc>
               <a:spcPct val="90000"/>
             </a:lnSpc>
@@ -5325,7 +5633,6 @@
             <a:spcAft>
               <a:spcPct val="35000"/>
             </a:spcAft>
-            <a:buNone/>
           </a:pPr>
           <a:r>
             <a:rPr lang="de-CH" sz="2400" kern="1200" dirty="0"/>
@@ -5438,7 +5745,7 @@
         </a:bodyPr>
         <a:lstStyle/>
         <a:p>
-          <a:pPr marL="0" lvl="0" indent="0" algn="ctr" defTabSz="622300">
+          <a:pPr lvl="0" algn="ctr" defTabSz="622300">
             <a:lnSpc>
               <a:spcPct val="90000"/>
             </a:lnSpc>
@@ -5448,7 +5755,6 @@
             <a:spcAft>
               <a:spcPct val="35000"/>
             </a:spcAft>
-            <a:buNone/>
           </a:pPr>
           <a:r>
             <a:rPr lang="de-CH" sz="1400" b="1" kern="1200" dirty="0"/>
@@ -8509,7 +8815,7 @@
           <a:p>
             <a:fld id="{22ED7430-247F-4850-A2C2-D4BF8BBE8A64}" type="datetimeFigureOut">
               <a:rPr lang="en-US" smtClean="0"/>
-              <a:t>7/13/2019</a:t>
+              <a:t>7/17/2019</a:t>
             </a:fld>
             <a:endParaRPr lang="en-US"/>
           </a:p>
@@ -10735,7 +11041,7 @@
     <p:controls>
       <mc:AlternateContent xmlns:mc="http://schemas.openxmlformats.org/markup-compatibility/2006">
         <mc:Choice xmlns:v="urn:schemas-microsoft-com:vml" Requires="v">
-          <p:control spid="1026" name="Image4" r:id="rId13" imgW="11658600" imgH="5372280"/>
+          <p:control spid="1027" name="Image4" r:id="rId13" imgW="11658600" imgH="5372280"/>
         </mc:Choice>
         <mc:Fallback>
           <p:control name="Image4" r:id="rId13" imgW="11658600" imgH="5372280">
@@ -11081,7 +11387,7 @@
       </a:lvl9pPr>
     </p:otherStyle>
   </p:txStyles>
-  <p:extLst>
+  <p:extLst mod="1">
     <p:ext uri="{27BBF7A9-308A-43DC-89C8-2F10F3537804}">
       <p15:sldGuideLst xmlns:p15="http://schemas.microsoft.com/office/powerpoint/2012/main">
         <p15:guide id="1" orient="horz" pos="3566">
@@ -11171,6 +11477,10 @@
               <a:rPr lang="en-US" sz="7300" b="0" dirty="0" err="1"/>
               <a:t>Fallstudie</a:t>
             </a:r>
+            <a:r>
+              <a:rPr lang="en-US" sz="5300" b="0" dirty="0"/>
+              <a:t/>
+            </a:r>
             <a:br>
               <a:rPr lang="en-US" sz="5300" b="0" dirty="0"/>
             </a:br>
@@ -11188,6 +11498,10 @@
             <a:br>
               <a:rPr lang="en-US" sz="4400" b="0" dirty="0"/>
             </a:br>
+            <a:r>
+              <a:rPr lang="en-US" sz="4400" b="0" dirty="0"/>
+              <a:t/>
+            </a:r>
             <a:br>
               <a:rPr lang="en-US" sz="4400" b="0" dirty="0"/>
             </a:br>
@@ -12571,7 +12885,19 @@
           <a:p>
             <a:r>
               <a:rPr lang="de-CH" sz="3200" i="1" dirty="0"/>
-              <a:t>Erster Test mit LG, LDA, GLMNET, CART, SVM (Logistische Regression)</a:t>
+              <a:t>Erster Test mit LG, LDA, GLMNET, </a:t>
+            </a:r>
+            <a:r>
+              <a:rPr lang="de-CH" sz="3200" i="1" dirty="0" smtClean="0"/>
+              <a:t>RPART</a:t>
+            </a:r>
+            <a:r>
+              <a:rPr lang="de-CH" sz="3200" i="1" dirty="0" smtClean="0"/>
+              <a:t>, </a:t>
+            </a:r>
+            <a:r>
+              <a:rPr lang="de-CH" sz="3200" i="1" dirty="0"/>
+              <a:t>SVM (Logistische Regression)</a:t>
             </a:r>
             <a:endParaRPr lang="de-CH" sz="3200" dirty="0"/>
           </a:p>
@@ -13065,7 +13391,15 @@
           <a:p>
             <a:r>
               <a:rPr lang="de-CH" i="1" dirty="0"/>
-              <a:t>Erster Test mit LG, LDA, GLMNET, CART, SVM</a:t>
+              <a:t>Erster Test mit LG, LDA, GLMNET, </a:t>
+            </a:r>
+            <a:r>
+              <a:rPr lang="de-CH" i="1" dirty="0" smtClean="0"/>
+              <a:t>RPART, </a:t>
+            </a:r>
+            <a:r>
+              <a:rPr lang="de-CH" i="1" dirty="0"/>
+              <a:t>SVM</a:t>
             </a:r>
             <a:endParaRPr lang="de-CH" dirty="0"/>
           </a:p>
@@ -13606,7 +13940,15 @@
           <a:p>
             <a:r>
               <a:rPr lang="de-CH" i="1" dirty="0"/>
-              <a:t>Zweiter Test mit LG, LDA, GLMNET, CART, SVM mit «</a:t>
+              <a:t>Zweiter Test mit LG, LDA, GLMNET, </a:t>
+            </a:r>
+            <a:r>
+              <a:rPr lang="de-CH" i="1" dirty="0" smtClean="0"/>
+              <a:t>RPART, </a:t>
+            </a:r>
+            <a:r>
+              <a:rPr lang="de-CH" i="1" dirty="0"/>
+              <a:t>SVM mit «</a:t>
             </a:r>
             <a:r>
               <a:rPr lang="de-CH" i="1" dirty="0" err="1"/>
@@ -17146,14 +17488,30 @@
             <a:pPr lvl="1"/>
             <a:r>
               <a:rPr lang="de-CH" b="1" i="1" dirty="0"/>
-              <a:t>Erster Test mit LG, LDA, GLMNET, CART &amp; SVM </a:t>
+              <a:t>Erster Test mit LG, LDA, GLMNET, </a:t>
+            </a:r>
+            <a:r>
+              <a:rPr lang="de-CH" b="1" i="1" dirty="0" smtClean="0"/>
+              <a:t>RPART </a:t>
+            </a:r>
+            <a:r>
+              <a:rPr lang="de-CH" b="1" i="1" dirty="0"/>
+              <a:t>&amp; SVM </a:t>
             </a:r>
           </a:p>
           <a:p>
             <a:pPr lvl="1"/>
             <a:r>
               <a:rPr lang="de-CH" b="1" i="1" dirty="0"/>
-              <a:t>Zweiter Test mit LG, LDA, GLMNET, CART &amp; SVM mit «</a:t>
+              <a:t>Zweiter Test mit LG, LDA, GLMNET, </a:t>
+            </a:r>
+            <a:r>
+              <a:rPr lang="de-CH" b="1" i="1" dirty="0" smtClean="0"/>
+              <a:t>RPART </a:t>
+            </a:r>
+            <a:r>
+              <a:rPr lang="de-CH" b="1" i="1" dirty="0"/>
+              <a:t>&amp; SVM mit «</a:t>
             </a:r>
             <a:r>
               <a:rPr lang="de-CH" b="1" i="1" dirty="0" err="1"/>
@@ -17394,7 +17752,7 @@
           <p:nvPr/>
         </p:nvPicPr>
         <p:blipFill>
-          <a:blip r:embed="rId3">
+          <a:blip r:embed="rId3" cstate="print">
             <a:extLst>
               <a:ext uri="{28A0092B-C50C-407E-A947-70E740481C1C}">
                 <a14:useLocalDpi xmlns:a14="http://schemas.microsoft.com/office/drawing/2010/main" val="0"/>
